--- a/doc/Spotlight gif.pptx
+++ b/doc/Spotlight gif.pptx
@@ -290,7 +290,7 @@
           <a:p>
             <a:fld id="{1C243D36-5217-48BF-A097-7AA0FC8B35E5}" type="datetimeFigureOut">
               <a:rPr lang="en-US" smtClean="0"/>
-              <a:t>12/14/2013</a:t>
+              <a:t>12/23/2013</a:t>
             </a:fld>
             <a:endParaRPr lang="en-US"/>
           </a:p>
@@ -460,7 +460,7 @@
           <a:p>
             <a:fld id="{1C243D36-5217-48BF-A097-7AA0FC8B35E5}" type="datetimeFigureOut">
               <a:rPr lang="en-US" smtClean="0"/>
-              <a:t>12/14/2013</a:t>
+              <a:t>12/23/2013</a:t>
             </a:fld>
             <a:endParaRPr lang="en-US"/>
           </a:p>
@@ -640,7 +640,7 @@
           <a:p>
             <a:fld id="{1C243D36-5217-48BF-A097-7AA0FC8B35E5}" type="datetimeFigureOut">
               <a:rPr lang="en-US" smtClean="0"/>
-              <a:t>12/14/2013</a:t>
+              <a:t>12/23/2013</a:t>
             </a:fld>
             <a:endParaRPr lang="en-US"/>
           </a:p>
@@ -810,7 +810,7 @@
           <a:p>
             <a:fld id="{1C243D36-5217-48BF-A097-7AA0FC8B35E5}" type="datetimeFigureOut">
               <a:rPr lang="en-US" smtClean="0"/>
-              <a:t>12/14/2013</a:t>
+              <a:t>12/23/2013</a:t>
             </a:fld>
             <a:endParaRPr lang="en-US"/>
           </a:p>
@@ -1063,7 +1063,7 @@
           <a:p>
             <a:fld id="{1C243D36-5217-48BF-A097-7AA0FC8B35E5}" type="datetimeFigureOut">
               <a:rPr lang="en-US" smtClean="0"/>
-              <a:t>12/14/2013</a:t>
+              <a:t>12/23/2013</a:t>
             </a:fld>
             <a:endParaRPr lang="en-US"/>
           </a:p>
@@ -1351,7 +1351,7 @@
           <a:p>
             <a:fld id="{1C243D36-5217-48BF-A097-7AA0FC8B35E5}" type="datetimeFigureOut">
               <a:rPr lang="en-US" smtClean="0"/>
-              <a:t>12/14/2013</a:t>
+              <a:t>12/23/2013</a:t>
             </a:fld>
             <a:endParaRPr lang="en-US"/>
           </a:p>
@@ -1778,7 +1778,7 @@
           <a:p>
             <a:fld id="{1C243D36-5217-48BF-A097-7AA0FC8B35E5}" type="datetimeFigureOut">
               <a:rPr lang="en-US" smtClean="0"/>
-              <a:t>12/14/2013</a:t>
+              <a:t>12/23/2013</a:t>
             </a:fld>
             <a:endParaRPr lang="en-US"/>
           </a:p>
@@ -1896,7 +1896,7 @@
           <a:p>
             <a:fld id="{1C243D36-5217-48BF-A097-7AA0FC8B35E5}" type="datetimeFigureOut">
               <a:rPr lang="en-US" smtClean="0"/>
-              <a:t>12/14/2013</a:t>
+              <a:t>12/23/2013</a:t>
             </a:fld>
             <a:endParaRPr lang="en-US"/>
           </a:p>
@@ -1991,7 +1991,7 @@
           <a:p>
             <a:fld id="{1C243D36-5217-48BF-A097-7AA0FC8B35E5}" type="datetimeFigureOut">
               <a:rPr lang="en-US" smtClean="0"/>
-              <a:t>12/14/2013</a:t>
+              <a:t>12/23/2013</a:t>
             </a:fld>
             <a:endParaRPr lang="en-US"/>
           </a:p>
@@ -2268,7 +2268,7 @@
           <a:p>
             <a:fld id="{1C243D36-5217-48BF-A097-7AA0FC8B35E5}" type="datetimeFigureOut">
               <a:rPr lang="en-US" smtClean="0"/>
-              <a:t>12/14/2013</a:t>
+              <a:t>12/23/2013</a:t>
             </a:fld>
             <a:endParaRPr lang="en-US"/>
           </a:p>
@@ -2521,7 +2521,7 @@
           <a:p>
             <a:fld id="{1C243D36-5217-48BF-A097-7AA0FC8B35E5}" type="datetimeFigureOut">
               <a:rPr lang="en-US" smtClean="0"/>
-              <a:t>12/14/2013</a:t>
+              <a:t>12/23/2013</a:t>
             </a:fld>
             <a:endParaRPr lang="en-US"/>
           </a:p>
@@ -2588,10 +2588,7 @@
     <p:bg>
       <p:bgPr>
         <a:solidFill>
-          <a:schemeClr val="accent6">
-            <a:lumMod val="40000"/>
-            <a:lumOff val="60000"/>
-          </a:schemeClr>
+          <a:schemeClr val="bg1"/>
         </a:solidFill>
         <a:effectLst/>
       </p:bgPr>
@@ -2740,7 +2737,7 @@
           <a:p>
             <a:fld id="{1C243D36-5217-48BF-A097-7AA0FC8B35E5}" type="datetimeFigureOut">
               <a:rPr lang="en-US" smtClean="0"/>
-              <a:t>12/14/2013</a:t>
+              <a:t>12/23/2013</a:t>
             </a:fld>
             <a:endParaRPr lang="en-US"/>
           </a:p>
@@ -2820,6 +2817,54 @@
               <a:rPr lang="en-US" smtClean="0"/>
               <a:t>‹#›</a:t>
             </a:fld>
+            <a:endParaRPr lang="en-US"/>
+          </a:p>
+        </p:txBody>
+      </p:sp>
+      <p:sp>
+        <p:nvSpPr>
+          <p:cNvPr id="7" name="Rectangle 6"/>
+          <p:cNvSpPr/>
+          <p:nvPr userDrawn="1"/>
+        </p:nvSpPr>
+        <p:spPr>
+          <a:xfrm>
+            <a:off x="-1" y="0"/>
+            <a:ext cx="3648456" cy="2734056"/>
+          </a:xfrm>
+          <a:prstGeom prst="rect">
+            <a:avLst/>
+          </a:prstGeom>
+          <a:noFill/>
+          <a:ln>
+            <a:solidFill>
+              <a:schemeClr val="bg1">
+                <a:lumMod val="75000"/>
+              </a:schemeClr>
+            </a:solidFill>
+          </a:ln>
+        </p:spPr>
+        <p:style>
+          <a:lnRef idx="2">
+            <a:schemeClr val="accent1">
+              <a:shade val="50000"/>
+            </a:schemeClr>
+          </a:lnRef>
+          <a:fillRef idx="1">
+            <a:schemeClr val="accent1"/>
+          </a:fillRef>
+          <a:effectRef idx="0">
+            <a:schemeClr val="accent1"/>
+          </a:effectRef>
+          <a:fontRef idx="minor">
+            <a:schemeClr val="lt1"/>
+          </a:fontRef>
+        </p:style>
+        <p:txBody>
+          <a:bodyPr rtlCol="0" anchor="ctr"/>
+          <a:lstStyle/>
+          <a:p>
+            <a:pPr algn="ctr"/>
             <a:endParaRPr lang="en-US"/>
           </a:p>
         </p:txBody>
@@ -3275,871 +3320,8 @@
         </p:nvSpPr>
         <p:spPr>
           <a:xfrm>
-            <a:off x="288303" y="1020912"/>
-            <a:ext cx="2719672" cy="625007"/>
-          </a:xfrm>
-          <a:custGeom>
-            <a:avLst/>
-            <a:gdLst>
-              <a:gd name="connsiteX0" fmla="*/ 2331218 w 6863024"/>
-              <a:gd name="connsiteY0" fmla="*/ 0 h 904352"/>
-              <a:gd name="connsiteX1" fmla="*/ 4521758 w 6863024"/>
-              <a:gd name="connsiteY1" fmla="*/ 0 h 904352"/>
-              <a:gd name="connsiteX2" fmla="*/ 6863024 w 6863024"/>
-              <a:gd name="connsiteY2" fmla="*/ 904352 h 904352"/>
-              <a:gd name="connsiteX3" fmla="*/ 0 w 6863024"/>
-              <a:gd name="connsiteY3" fmla="*/ 904352 h 904352"/>
-              <a:gd name="connsiteX4" fmla="*/ 2331218 w 6863024"/>
-              <a:gd name="connsiteY4" fmla="*/ 0 h 904352"/>
-              <a:gd name="connsiteX0" fmla="*/ 0 w 6899630"/>
-              <a:gd name="connsiteY0" fmla="*/ 50241 h 904352"/>
-              <a:gd name="connsiteX1" fmla="*/ 4558364 w 6899630"/>
-              <a:gd name="connsiteY1" fmla="*/ 0 h 904352"/>
-              <a:gd name="connsiteX2" fmla="*/ 6899630 w 6899630"/>
-              <a:gd name="connsiteY2" fmla="*/ 904352 h 904352"/>
-              <a:gd name="connsiteX3" fmla="*/ 36606 w 6899630"/>
-              <a:gd name="connsiteY3" fmla="*/ 904352 h 904352"/>
-              <a:gd name="connsiteX4" fmla="*/ 0 w 6899630"/>
-              <a:gd name="connsiteY4" fmla="*/ 50241 h 904352"/>
-              <a:gd name="connsiteX0" fmla="*/ 0 w 6899630"/>
-              <a:gd name="connsiteY0" fmla="*/ 10048 h 864159"/>
-              <a:gd name="connsiteX1" fmla="*/ 2180289 w 6899630"/>
-              <a:gd name="connsiteY1" fmla="*/ 0 h 864159"/>
-              <a:gd name="connsiteX2" fmla="*/ 6899630 w 6899630"/>
-              <a:gd name="connsiteY2" fmla="*/ 864159 h 864159"/>
-              <a:gd name="connsiteX3" fmla="*/ 36606 w 6899630"/>
-              <a:gd name="connsiteY3" fmla="*/ 864159 h 864159"/>
-              <a:gd name="connsiteX4" fmla="*/ 0 w 6899630"/>
-              <a:gd name="connsiteY4" fmla="*/ 10048 h 864159"/>
-              <a:gd name="connsiteX0" fmla="*/ 455409 w 7355039"/>
-              <a:gd name="connsiteY0" fmla="*/ 10048 h 864159"/>
-              <a:gd name="connsiteX1" fmla="*/ 2635698 w 7355039"/>
-              <a:gd name="connsiteY1" fmla="*/ 0 h 864159"/>
-              <a:gd name="connsiteX2" fmla="*/ 7355039 w 7355039"/>
-              <a:gd name="connsiteY2" fmla="*/ 864159 h 864159"/>
-              <a:gd name="connsiteX3" fmla="*/ 0 w 7355039"/>
-              <a:gd name="connsiteY3" fmla="*/ 864159 h 864159"/>
-              <a:gd name="connsiteX4" fmla="*/ 455409 w 7355039"/>
-              <a:gd name="connsiteY4" fmla="*/ 10048 h 864159"/>
-              <a:gd name="connsiteX0" fmla="*/ 455409 w 6955276"/>
-              <a:gd name="connsiteY0" fmla="*/ 10048 h 864159"/>
-              <a:gd name="connsiteX1" fmla="*/ 2635698 w 6955276"/>
-              <a:gd name="connsiteY1" fmla="*/ 0 h 864159"/>
-              <a:gd name="connsiteX2" fmla="*/ 6955276 w 6955276"/>
-              <a:gd name="connsiteY2" fmla="*/ 854111 h 864159"/>
-              <a:gd name="connsiteX3" fmla="*/ 0 w 6955276"/>
-              <a:gd name="connsiteY3" fmla="*/ 864159 h 864159"/>
-              <a:gd name="connsiteX4" fmla="*/ 455409 w 6955276"/>
-              <a:gd name="connsiteY4" fmla="*/ 10048 h 864159"/>
-              <a:gd name="connsiteX0" fmla="*/ 455409 w 6935843"/>
-              <a:gd name="connsiteY0" fmla="*/ 10048 h 866811"/>
-              <a:gd name="connsiteX1" fmla="*/ 2635698 w 6935843"/>
-              <a:gd name="connsiteY1" fmla="*/ 0 h 866811"/>
-              <a:gd name="connsiteX2" fmla="*/ 6935843 w 6935843"/>
-              <a:gd name="connsiteY2" fmla="*/ 866811 h 866811"/>
-              <a:gd name="connsiteX3" fmla="*/ 0 w 6935843"/>
-              <a:gd name="connsiteY3" fmla="*/ 864159 h 866811"/>
-              <a:gd name="connsiteX4" fmla="*/ 455409 w 6935843"/>
-              <a:gd name="connsiteY4" fmla="*/ 10048 h 866811"/>
-            </a:gdLst>
-            <a:ahLst/>
-            <a:cxnLst>
-              <a:cxn ang="0">
-                <a:pos x="connsiteX0" y="connsiteY0"/>
-              </a:cxn>
-              <a:cxn ang="0">
-                <a:pos x="connsiteX1" y="connsiteY1"/>
-              </a:cxn>
-              <a:cxn ang="0">
-                <a:pos x="connsiteX2" y="connsiteY2"/>
-              </a:cxn>
-              <a:cxn ang="0">
-                <a:pos x="connsiteX3" y="connsiteY3"/>
-              </a:cxn>
-              <a:cxn ang="0">
-                <a:pos x="connsiteX4" y="connsiteY4"/>
-              </a:cxn>
-            </a:cxnLst>
-            <a:rect l="l" t="t" r="r" b="b"/>
-            <a:pathLst>
-              <a:path w="6935843" h="866811">
-                <a:moveTo>
-                  <a:pt x="455409" y="10048"/>
-                </a:moveTo>
-                <a:lnTo>
-                  <a:pt x="2635698" y="0"/>
-                </a:lnTo>
-                <a:lnTo>
-                  <a:pt x="6935843" y="866811"/>
-                </a:lnTo>
-                <a:lnTo>
-                  <a:pt x="0" y="864159"/>
-                </a:lnTo>
-                <a:lnTo>
-                  <a:pt x="455409" y="10048"/>
-                </a:lnTo>
-                <a:close/>
-              </a:path>
-            </a:pathLst>
-          </a:custGeom>
-          <a:solidFill>
-            <a:schemeClr val="accent1">
-              <a:lumMod val="20000"/>
-              <a:lumOff val="80000"/>
-            </a:schemeClr>
-          </a:solidFill>
-          <a:ln>
-            <a:noFill/>
-          </a:ln>
-        </p:spPr>
-        <p:style>
-          <a:lnRef idx="2">
-            <a:schemeClr val="accent1">
-              <a:shade val="50000"/>
-            </a:schemeClr>
-          </a:lnRef>
-          <a:fillRef idx="1">
-            <a:schemeClr val="accent1"/>
-          </a:fillRef>
-          <a:effectRef idx="0">
-            <a:schemeClr val="accent1"/>
-          </a:effectRef>
-          <a:fontRef idx="minor">
-            <a:schemeClr val="lt1"/>
-          </a:fontRef>
-        </p:style>
-        <p:txBody>
-          <a:bodyPr lIns="36576" tIns="18288" rIns="36576" bIns="18288" rtlCol="0" anchor="ctr"/>
-          <a:lstStyle/>
-          <a:p>
-            <a:pPr algn="ctr"/>
-            <a:endParaRPr lang="en-SG"/>
-          </a:p>
-        </p:txBody>
-      </p:sp>
-      <p:sp>
-        <p:nvSpPr>
-          <p:cNvPr id="21" name="phase B"/>
-          <p:cNvSpPr/>
-          <p:nvPr/>
-        </p:nvSpPr>
-        <p:spPr>
-          <a:xfrm>
-            <a:off x="1389888" y="609600"/>
-            <a:ext cx="871728" cy="396240"/>
-          </a:xfrm>
-          <a:prstGeom prst="rect">
-            <a:avLst/>
-          </a:prstGeom>
-          <a:solidFill>
-            <a:schemeClr val="tx2">
-              <a:lumMod val="60000"/>
-              <a:lumOff val="40000"/>
-            </a:schemeClr>
-          </a:solidFill>
-          <a:ln>
-            <a:noFill/>
-          </a:ln>
-        </p:spPr>
-        <p:style>
-          <a:lnRef idx="2">
-            <a:schemeClr val="accent5">
-              <a:shade val="50000"/>
-            </a:schemeClr>
-          </a:lnRef>
-          <a:fillRef idx="1">
-            <a:schemeClr val="accent5"/>
-          </a:fillRef>
-          <a:effectRef idx="0">
-            <a:schemeClr val="accent5"/>
-          </a:effectRef>
-          <a:fontRef idx="minor">
-            <a:schemeClr val="lt1"/>
-          </a:fontRef>
-        </p:style>
-        <p:txBody>
-          <a:bodyPr lIns="36576" tIns="18288" rIns="36576" bIns="18288" rtlCol="0" anchor="ctr"/>
-          <a:lstStyle/>
-          <a:p>
-            <a:pPr algn="ctr"/>
-            <a:r>
-              <a:rPr lang="en-US" sz="1000" b="1" dirty="0"/>
-              <a:t>Phase B</a:t>
-            </a:r>
-            <a:endParaRPr lang="en-SG" sz="1000" b="1" dirty="0"/>
-          </a:p>
-        </p:txBody>
-      </p:sp>
-      <p:sp>
-        <p:nvSpPr>
-          <p:cNvPr id="22" name="phase C"/>
-          <p:cNvSpPr/>
-          <p:nvPr/>
-        </p:nvSpPr>
-        <p:spPr>
-          <a:xfrm>
-            <a:off x="2322576" y="609600"/>
-            <a:ext cx="871728" cy="396240"/>
-          </a:xfrm>
-          <a:prstGeom prst="rect">
-            <a:avLst/>
-          </a:prstGeom>
-          <a:solidFill>
-            <a:schemeClr val="tx2">
-              <a:lumMod val="60000"/>
-              <a:lumOff val="40000"/>
-            </a:schemeClr>
-          </a:solidFill>
-          <a:ln>
-            <a:noFill/>
-          </a:ln>
-        </p:spPr>
-        <p:style>
-          <a:lnRef idx="2">
-            <a:schemeClr val="accent5">
-              <a:shade val="50000"/>
-            </a:schemeClr>
-          </a:lnRef>
-          <a:fillRef idx="1">
-            <a:schemeClr val="accent5"/>
-          </a:fillRef>
-          <a:effectRef idx="0">
-            <a:schemeClr val="accent5"/>
-          </a:effectRef>
-          <a:fontRef idx="minor">
-            <a:schemeClr val="lt1"/>
-          </a:fontRef>
-        </p:style>
-        <p:txBody>
-          <a:bodyPr lIns="36576" tIns="18288" rIns="36576" bIns="18288" rtlCol="0" anchor="ctr"/>
-          <a:lstStyle/>
-          <a:p>
-            <a:pPr algn="ctr"/>
-            <a:r>
-              <a:rPr lang="en-US" sz="1000" b="1" dirty="0"/>
-              <a:t>Phase C</a:t>
-            </a:r>
-            <a:endParaRPr lang="en-SG" sz="1000" b="1" dirty="0"/>
-          </a:p>
-        </p:txBody>
-      </p:sp>
-      <p:sp>
-        <p:nvSpPr>
-          <p:cNvPr id="10" name="Pentagon 9"/>
-          <p:cNvSpPr/>
-          <p:nvPr/>
-        </p:nvSpPr>
-        <p:spPr>
-          <a:xfrm>
-            <a:off x="1176662" y="1725302"/>
-            <a:ext cx="1127760" cy="487680"/>
-          </a:xfrm>
-          <a:custGeom>
-            <a:avLst/>
-            <a:gdLst/>
-            <a:ahLst/>
-            <a:cxnLst/>
-            <a:rect l="l" t="t" r="r" b="b"/>
-            <a:pathLst>
-              <a:path w="2819400" h="1219200">
-                <a:moveTo>
-                  <a:pt x="0" y="0"/>
-                </a:moveTo>
-                <a:lnTo>
-                  <a:pt x="2209800" y="0"/>
-                </a:lnTo>
-                <a:lnTo>
-                  <a:pt x="2819400" y="609600"/>
-                </a:lnTo>
-                <a:lnTo>
-                  <a:pt x="2209800" y="1219200"/>
-                </a:lnTo>
-                <a:lnTo>
-                  <a:pt x="0" y="1219200"/>
-                </a:lnTo>
-                <a:lnTo>
-                  <a:pt x="609600" y="609600"/>
-                </a:lnTo>
-                <a:close/>
-              </a:path>
-            </a:pathLst>
-          </a:custGeom>
-          <a:solidFill>
-            <a:schemeClr val="bg1"/>
-          </a:solidFill>
-          <a:ln>
-            <a:solidFill>
-              <a:schemeClr val="tx2">
-                <a:lumMod val="60000"/>
-                <a:lumOff val="40000"/>
-              </a:schemeClr>
-            </a:solidFill>
-          </a:ln>
-        </p:spPr>
-        <p:style>
-          <a:lnRef idx="2">
-            <a:schemeClr val="accent1">
-              <a:shade val="50000"/>
-            </a:schemeClr>
-          </a:lnRef>
-          <a:fillRef idx="1">
-            <a:schemeClr val="accent1"/>
-          </a:fillRef>
-          <a:effectRef idx="0">
-            <a:schemeClr val="accent1"/>
-          </a:effectRef>
-          <a:fontRef idx="minor">
-            <a:schemeClr val="lt1"/>
-          </a:fontRef>
-        </p:style>
-        <p:txBody>
-          <a:bodyPr lIns="36576" tIns="18288" rIns="36576" bIns="18288" rtlCol="0" anchor="ctr"/>
-          <a:lstStyle/>
-          <a:p>
-            <a:pPr algn="ctr"/>
-            <a:r>
-              <a:rPr lang="en-US" sz="1000" b="1" dirty="0">
-                <a:solidFill>
-                  <a:srgbClr val="0070C0"/>
-                </a:solidFill>
-              </a:rPr>
-              <a:t>Step 2</a:t>
-            </a:r>
-            <a:endParaRPr lang="en-SG" sz="1000" b="1" dirty="0">
-              <a:solidFill>
-                <a:srgbClr val="0070C0"/>
-              </a:solidFill>
-            </a:endParaRPr>
-          </a:p>
-        </p:txBody>
-      </p:sp>
-      <p:sp>
-        <p:nvSpPr>
-          <p:cNvPr id="12" name="Pentagon 11"/>
-          <p:cNvSpPr/>
-          <p:nvPr/>
-        </p:nvSpPr>
-        <p:spPr>
-          <a:xfrm>
-            <a:off x="323222" y="1724633"/>
-            <a:ext cx="1066800" cy="487680"/>
-          </a:xfrm>
-          <a:prstGeom prst="homePlate">
-            <a:avLst/>
-          </a:prstGeom>
-          <a:solidFill>
-            <a:schemeClr val="bg1"/>
-          </a:solidFill>
-          <a:ln>
-            <a:solidFill>
-              <a:schemeClr val="tx2">
-                <a:lumMod val="60000"/>
-                <a:lumOff val="40000"/>
-              </a:schemeClr>
-            </a:solidFill>
-          </a:ln>
-        </p:spPr>
-        <p:style>
-          <a:lnRef idx="2">
-            <a:schemeClr val="accent1">
-              <a:shade val="50000"/>
-            </a:schemeClr>
-          </a:lnRef>
-          <a:fillRef idx="1">
-            <a:schemeClr val="accent1"/>
-          </a:fillRef>
-          <a:effectRef idx="0">
-            <a:schemeClr val="accent1"/>
-          </a:effectRef>
-          <a:fontRef idx="minor">
-            <a:schemeClr val="lt1"/>
-          </a:fontRef>
-        </p:style>
-        <p:txBody>
-          <a:bodyPr lIns="36576" tIns="18288" rIns="36576" bIns="18288" rtlCol="0" anchor="ctr"/>
-          <a:lstStyle/>
-          <a:p>
-            <a:pPr algn="ctr"/>
-            <a:r>
-              <a:rPr lang="en-US" sz="1000" b="1" dirty="0">
-                <a:solidFill>
-                  <a:srgbClr val="0070C0"/>
-                </a:solidFill>
-              </a:rPr>
-              <a:t>Step 1</a:t>
-            </a:r>
-            <a:endParaRPr lang="en-SG" sz="1000" b="1" dirty="0">
-              <a:solidFill>
-                <a:srgbClr val="0070C0"/>
-              </a:solidFill>
-            </a:endParaRPr>
-          </a:p>
-        </p:txBody>
-      </p:sp>
-      <p:sp>
-        <p:nvSpPr>
-          <p:cNvPr id="13" name="phase B"/>
-          <p:cNvSpPr/>
-          <p:nvPr/>
-        </p:nvSpPr>
-        <p:spPr>
-          <a:xfrm>
-            <a:off x="457200" y="609600"/>
-            <a:ext cx="871728" cy="396240"/>
-          </a:xfrm>
-          <a:prstGeom prst="rect">
-            <a:avLst/>
-          </a:prstGeom>
-          <a:solidFill>
-            <a:schemeClr val="tx2">
-              <a:lumMod val="60000"/>
-              <a:lumOff val="40000"/>
-            </a:schemeClr>
-          </a:solidFill>
-          <a:ln>
-            <a:noFill/>
-          </a:ln>
-        </p:spPr>
-        <p:style>
-          <a:lnRef idx="2">
-            <a:schemeClr val="accent5">
-              <a:shade val="50000"/>
-            </a:schemeClr>
-          </a:lnRef>
-          <a:fillRef idx="1">
-            <a:schemeClr val="accent5"/>
-          </a:fillRef>
-          <a:effectRef idx="0">
-            <a:schemeClr val="accent5"/>
-          </a:effectRef>
-          <a:fontRef idx="minor">
-            <a:schemeClr val="lt1"/>
-          </a:fontRef>
-        </p:style>
-        <p:txBody>
-          <a:bodyPr lIns="36576" tIns="18288" rIns="36576" bIns="18288" rtlCol="0" anchor="ctr"/>
-          <a:lstStyle/>
-          <a:p>
-            <a:pPr algn="ctr"/>
-            <a:r>
-              <a:rPr lang="en-US" sz="1000" b="1" dirty="0"/>
-              <a:t>Phase </a:t>
-            </a:r>
-            <a:r>
-              <a:rPr lang="en-US" sz="1000" b="1" dirty="0" smtClean="0"/>
-              <a:t>A</a:t>
-            </a:r>
-            <a:endParaRPr lang="en-SG" sz="1000" b="1" dirty="0"/>
-          </a:p>
-        </p:txBody>
-      </p:sp>
-      <p:sp>
-        <p:nvSpPr>
-          <p:cNvPr id="2" name="Freeform 1"/>
-          <p:cNvSpPr/>
-          <p:nvPr/>
-        </p:nvSpPr>
-        <p:spPr>
-          <a:xfrm>
-            <a:off x="246395" y="574922"/>
-            <a:ext cx="2787004" cy="1741193"/>
-          </a:xfrm>
-          <a:custGeom>
-            <a:avLst/>
-            <a:gdLst>
-              <a:gd name="connsiteX0" fmla="*/ 175215 w 2787004"/>
-              <a:gd name="connsiteY0" fmla="*/ 5476 h 1741193"/>
-              <a:gd name="connsiteX1" fmla="*/ 169739 w 2787004"/>
-              <a:gd name="connsiteY1" fmla="*/ 443512 h 1741193"/>
-              <a:gd name="connsiteX2" fmla="*/ 0 w 2787004"/>
-              <a:gd name="connsiteY2" fmla="*/ 1067713 h 1741193"/>
-              <a:gd name="connsiteX3" fmla="*/ 5476 w 2787004"/>
-              <a:gd name="connsiteY3" fmla="*/ 1741193 h 1741193"/>
-              <a:gd name="connsiteX4" fmla="*/ 2787004 w 2787004"/>
-              <a:gd name="connsiteY4" fmla="*/ 1735718 h 1741193"/>
-              <a:gd name="connsiteX5" fmla="*/ 2781528 w 2787004"/>
-              <a:gd name="connsiteY5" fmla="*/ 1067713 h 1741193"/>
-              <a:gd name="connsiteX6" fmla="*/ 1138894 w 2787004"/>
-              <a:gd name="connsiteY6" fmla="*/ 421610 h 1741193"/>
-              <a:gd name="connsiteX7" fmla="*/ 1133418 w 2787004"/>
-              <a:gd name="connsiteY7" fmla="*/ 0 h 1741193"/>
-              <a:gd name="connsiteX8" fmla="*/ 175215 w 2787004"/>
-              <a:gd name="connsiteY8" fmla="*/ 5476 h 1741193"/>
-            </a:gdLst>
-            <a:ahLst/>
-            <a:cxnLst>
-              <a:cxn ang="0">
-                <a:pos x="connsiteX0" y="connsiteY0"/>
-              </a:cxn>
-              <a:cxn ang="0">
-                <a:pos x="connsiteX1" y="connsiteY1"/>
-              </a:cxn>
-              <a:cxn ang="0">
-                <a:pos x="connsiteX2" y="connsiteY2"/>
-              </a:cxn>
-              <a:cxn ang="0">
-                <a:pos x="connsiteX3" y="connsiteY3"/>
-              </a:cxn>
-              <a:cxn ang="0">
-                <a:pos x="connsiteX4" y="connsiteY4"/>
-              </a:cxn>
-              <a:cxn ang="0">
-                <a:pos x="connsiteX5" y="connsiteY5"/>
-              </a:cxn>
-              <a:cxn ang="0">
-                <a:pos x="connsiteX6" y="connsiteY6"/>
-              </a:cxn>
-              <a:cxn ang="0">
-                <a:pos x="connsiteX7" y="connsiteY7"/>
-              </a:cxn>
-              <a:cxn ang="0">
-                <a:pos x="connsiteX8" y="connsiteY8"/>
-              </a:cxn>
-            </a:cxnLst>
-            <a:rect l="l" t="t" r="r" b="b"/>
-            <a:pathLst>
-              <a:path w="2787004" h="1741193">
-                <a:moveTo>
-                  <a:pt x="175215" y="5476"/>
-                </a:moveTo>
-                <a:cubicBezTo>
-                  <a:pt x="173390" y="151488"/>
-                  <a:pt x="171564" y="297500"/>
-                  <a:pt x="169739" y="443512"/>
-                </a:cubicBezTo>
-                <a:lnTo>
-                  <a:pt x="0" y="1067713"/>
-                </a:lnTo>
-                <a:cubicBezTo>
-                  <a:pt x="1825" y="1292206"/>
-                  <a:pt x="3651" y="1516700"/>
-                  <a:pt x="5476" y="1741193"/>
-                </a:cubicBezTo>
-                <a:lnTo>
-                  <a:pt x="2787004" y="1735718"/>
-                </a:lnTo>
-                <a:cubicBezTo>
-                  <a:pt x="2785179" y="1513050"/>
-                  <a:pt x="2783353" y="1290381"/>
-                  <a:pt x="2781528" y="1067713"/>
-                </a:cubicBezTo>
-                <a:lnTo>
-                  <a:pt x="1138894" y="421610"/>
-                </a:lnTo>
-                <a:cubicBezTo>
-                  <a:pt x="1137069" y="281073"/>
-                  <a:pt x="1135243" y="140537"/>
-                  <a:pt x="1133418" y="0"/>
-                </a:cubicBezTo>
-                <a:lnTo>
-                  <a:pt x="175215" y="5476"/>
-                </a:lnTo>
-                <a:close/>
-              </a:path>
-            </a:pathLst>
-          </a:custGeom>
-          <a:noFill/>
-          <a:ln>
-            <a:solidFill>
-              <a:srgbClr val="C00000"/>
-            </a:solidFill>
-          </a:ln>
-        </p:spPr>
-        <p:style>
-          <a:lnRef idx="2">
-            <a:schemeClr val="accent1">
-              <a:shade val="50000"/>
-            </a:schemeClr>
-          </a:lnRef>
-          <a:fillRef idx="1">
-            <a:schemeClr val="accent1"/>
-          </a:fillRef>
-          <a:effectRef idx="0">
-            <a:schemeClr val="accent1"/>
-          </a:effectRef>
-          <a:fontRef idx="minor">
-            <a:schemeClr val="lt1"/>
-          </a:fontRef>
-        </p:style>
-        <p:txBody>
-          <a:bodyPr rtlCol="0" anchor="ctr"/>
-          <a:lstStyle/>
-          <a:p>
-            <a:pPr algn="ctr"/>
-            <a:endParaRPr lang="en-US"/>
-          </a:p>
-        </p:txBody>
-      </p:sp>
-    </p:spTree>
-    <p:extLst>
-      <p:ext uri="{BB962C8B-B14F-4D97-AF65-F5344CB8AC3E}">
-        <p14:creationId xmlns:p14="http://schemas.microsoft.com/office/powerpoint/2010/main" val="3759389626"/>
-      </p:ext>
-    </p:extLst>
-  </p:cSld>
-  <p:clrMapOvr>
-    <a:masterClrMapping/>
-  </p:clrMapOvr>
-  <mc:AlternateContent xmlns:mc="http://schemas.openxmlformats.org/markup-compatibility/2006">
-    <mc:Choice xmlns:p14="http://schemas.microsoft.com/office/powerpoint/2010/main" Requires="p14">
-      <p:transition p14:dur="0" advTm="0"/>
-    </mc:Choice>
-    <mc:Fallback>
-      <p:transition advTm="0"/>
-    </mc:Fallback>
-  </mc:AlternateContent>
-  <p:timing>
-    <p:tnLst>
-      <p:par>
-        <p:cTn id="1" dur="indefinite" restart="never" nodeType="tmRoot">
-          <p:childTnLst>
-            <p:seq concurrent="1" nextAc="seek">
-              <p:cTn id="2" dur="indefinite" nodeType="mainSeq">
-                <p:childTnLst>
-                  <p:par>
-                    <p:cTn id="3" fill="hold">
-                      <p:stCondLst>
-                        <p:cond delay="indefinite"/>
-                      </p:stCondLst>
-                      <p:childTnLst>
-                        <p:par>
-                          <p:cTn id="4" fill="hold">
-                            <p:stCondLst>
-                              <p:cond delay="0"/>
-                            </p:stCondLst>
-                            <p:childTnLst>
-                              <p:par>
-                                <p:cTn id="5" presetID="21" presetClass="entr" presetSubtype="1" fill="hold" grpId="0" nodeType="clickEffect">
-                                  <p:stCondLst>
-                                    <p:cond delay="0"/>
-                                  </p:stCondLst>
-                                  <p:childTnLst>
-                                    <p:set>
-                                      <p:cBhvr>
-                                        <p:cTn id="6" dur="1" fill="hold">
-                                          <p:stCondLst>
-                                            <p:cond delay="0"/>
-                                          </p:stCondLst>
-                                        </p:cTn>
-                                        <p:tgtEl>
-                                          <p:spTgt spid="2"/>
-                                        </p:tgtEl>
-                                        <p:attrNameLst>
-                                          <p:attrName>style.visibility</p:attrName>
-                                        </p:attrNameLst>
-                                      </p:cBhvr>
-                                      <p:to>
-                                        <p:strVal val="visible"/>
-                                      </p:to>
-                                    </p:set>
-                                    <p:animEffect transition="in" filter="wheel(1)">
-                                      <p:cBhvr>
-                                        <p:cTn id="7" dur="2000"/>
-                                        <p:tgtEl>
-                                          <p:spTgt spid="2"/>
-                                        </p:tgtEl>
-                                      </p:cBhvr>
-                                    </p:animEffect>
-                                  </p:childTnLst>
-                                </p:cTn>
-                              </p:par>
-                            </p:childTnLst>
-                          </p:cTn>
-                        </p:par>
-                      </p:childTnLst>
-                    </p:cTn>
-                  </p:par>
-                </p:childTnLst>
-              </p:cTn>
-              <p:prevCondLst>
-                <p:cond evt="onPrev" delay="0">
-                  <p:tgtEl>
-                    <p:sldTgt/>
-                  </p:tgtEl>
-                </p:cond>
-              </p:prevCondLst>
-              <p:nextCondLst>
-                <p:cond evt="onNext" delay="0">
-                  <p:tgtEl>
-                    <p:sldTgt/>
-                  </p:tgtEl>
-                </p:cond>
-              </p:nextCondLst>
-            </p:seq>
-          </p:childTnLst>
-        </p:cTn>
-      </p:par>
-    </p:tnLst>
-    <p:bldLst>
-      <p:bldP spid="2" grpId="0" animBg="1"/>
-    </p:bldLst>
-  </p:timing>
-</p:sld>
-</file>
-
-<file path=ppt/slides/slide2.xml><?xml version="1.0" encoding="utf-8"?>
-<p:sld xmlns:a="http://schemas.openxmlformats.org/drawingml/2006/main" xmlns:r="http://schemas.openxmlformats.org/officeDocument/2006/relationships" xmlns:p="http://schemas.openxmlformats.org/presentationml/2006/main">
-  <p:cSld>
-    <p:spTree>
-      <p:nvGrpSpPr>
-        <p:cNvPr id="1" name=""/>
-        <p:cNvGrpSpPr/>
-        <p:nvPr/>
-      </p:nvGrpSpPr>
-      <p:grpSpPr>
-        <a:xfrm>
-          <a:off x="0" y="0"/>
-          <a:ext cx="0" cy="0"/>
-          <a:chOff x="0" y="0"/>
-          <a:chExt cx="0" cy="0"/>
-        </a:xfrm>
-      </p:grpSpPr>
-      <p:sp>
-        <p:nvSpPr>
-          <p:cNvPr id="7" name="phase A"/>
-          <p:cNvSpPr/>
-          <p:nvPr/>
-        </p:nvSpPr>
-        <p:spPr>
-          <a:xfrm>
-            <a:off x="274320" y="1645920"/>
-            <a:ext cx="2737104" cy="640080"/>
-          </a:xfrm>
-          <a:prstGeom prst="rect">
-            <a:avLst/>
-          </a:prstGeom>
-          <a:solidFill>
-            <a:srgbClr val="0070C0"/>
-          </a:solidFill>
-          <a:ln>
-            <a:solidFill>
-              <a:schemeClr val="bg1"/>
-            </a:solidFill>
-          </a:ln>
-        </p:spPr>
-        <p:style>
-          <a:lnRef idx="2">
-            <a:schemeClr val="accent4">
-              <a:shade val="50000"/>
-            </a:schemeClr>
-          </a:lnRef>
-          <a:fillRef idx="1">
-            <a:schemeClr val="accent4"/>
-          </a:fillRef>
-          <a:effectRef idx="0">
-            <a:schemeClr val="accent4"/>
-          </a:effectRef>
-          <a:fontRef idx="minor">
-            <a:schemeClr val="lt1"/>
-          </a:fontRef>
-        </p:style>
-        <p:txBody>
-          <a:bodyPr lIns="36576" tIns="18288" rIns="36576" bIns="18288" rtlCol="0" anchor="ctr"/>
-          <a:lstStyle/>
-          <a:p>
-            <a:pPr algn="ctr"/>
-            <a:endParaRPr lang="en-SG" sz="1000" b="1" dirty="0">
-              <a:solidFill>
-                <a:srgbClr val="0070C0"/>
-              </a:solidFill>
-            </a:endParaRPr>
-          </a:p>
-        </p:txBody>
-      </p:sp>
-      <p:sp>
-        <p:nvSpPr>
-          <p:cNvPr id="11" name="spotlight"/>
-          <p:cNvSpPr/>
-          <p:nvPr/>
-        </p:nvSpPr>
-        <p:spPr>
-          <a:xfrm>
-            <a:off x="2094345" y="1729322"/>
-            <a:ext cx="872599" cy="487680"/>
-          </a:xfrm>
-          <a:custGeom>
-            <a:avLst/>
-            <a:gdLst/>
-            <a:ahLst/>
-            <a:cxnLst/>
-            <a:rect l="l" t="t" r="r" b="b"/>
-            <a:pathLst>
-              <a:path w="2181497" h="1219200">
-                <a:moveTo>
-                  <a:pt x="0" y="0"/>
-                </a:moveTo>
-                <a:lnTo>
-                  <a:pt x="2181497" y="0"/>
-                </a:lnTo>
-                <a:lnTo>
-                  <a:pt x="2181497" y="1219200"/>
-                </a:lnTo>
-                <a:lnTo>
-                  <a:pt x="0" y="1219200"/>
-                </a:lnTo>
-                <a:lnTo>
-                  <a:pt x="609600" y="609600"/>
-                </a:lnTo>
-                <a:close/>
-              </a:path>
-            </a:pathLst>
-          </a:custGeom>
-          <a:solidFill>
-            <a:schemeClr val="bg1"/>
-          </a:solidFill>
-          <a:ln>
-            <a:solidFill>
-              <a:srgbClr val="0070C0"/>
-            </a:solidFill>
-          </a:ln>
-        </p:spPr>
-        <p:style>
-          <a:lnRef idx="2">
-            <a:schemeClr val="accent1">
-              <a:shade val="50000"/>
-            </a:schemeClr>
-          </a:lnRef>
-          <a:fillRef idx="1">
-            <a:schemeClr val="accent1"/>
-          </a:fillRef>
-          <a:effectRef idx="0">
-            <a:schemeClr val="accent1"/>
-          </a:effectRef>
-          <a:fontRef idx="minor">
-            <a:schemeClr val="lt1"/>
-          </a:fontRef>
-        </p:style>
-        <p:txBody>
-          <a:bodyPr lIns="36576" tIns="18288" rIns="36576" bIns="18288" rtlCol="0" anchor="ctr"/>
-          <a:lstStyle/>
-          <a:p>
-            <a:pPr algn="ctr"/>
-            <a:r>
-              <a:rPr lang="en-US" sz="1000" b="1" dirty="0">
-                <a:solidFill>
-                  <a:srgbClr val="0070C0"/>
-                </a:solidFill>
-              </a:rPr>
-              <a:t>    Step 3</a:t>
-            </a:r>
-            <a:endParaRPr lang="en-SG" sz="1000" b="1" dirty="0">
-              <a:solidFill>
-                <a:srgbClr val="0070C0"/>
-              </a:solidFill>
-            </a:endParaRPr>
-          </a:p>
-        </p:txBody>
-      </p:sp>
-      <p:sp>
-        <p:nvSpPr>
-          <p:cNvPr id="18" name="Freeform 17"/>
-          <p:cNvSpPr/>
-          <p:nvPr/>
-        </p:nvSpPr>
-        <p:spPr>
-          <a:xfrm>
-            <a:off x="288303" y="1020912"/>
-            <a:ext cx="2719672" cy="625007"/>
+            <a:off x="288303" y="1037338"/>
+            <a:ext cx="2678641" cy="579288"/>
           </a:xfrm>
           <a:custGeom>
             <a:avLst/>
@@ -4300,7 +3482,7 @@
         </p:nvSpPr>
         <p:spPr>
           <a:xfrm>
-            <a:off x="1389888" y="609600"/>
+            <a:off x="1469136" y="609600"/>
             <a:ext cx="871728" cy="396240"/>
           </a:xfrm>
           <a:prstGeom prst="rect">
@@ -4353,7 +3535,7 @@
         </p:nvSpPr>
         <p:spPr>
           <a:xfrm>
-            <a:off x="2322576" y="609600"/>
+            <a:off x="2481072" y="609600"/>
             <a:ext cx="871728" cy="396240"/>
           </a:xfrm>
           <a:prstGeom prst="rect">
@@ -4395,6 +3577,653 @@
               <a:t>Phase C</a:t>
             </a:r>
             <a:endParaRPr lang="en-SG" sz="1000" b="1" dirty="0"/>
+          </a:p>
+        </p:txBody>
+      </p:sp>
+      <p:sp>
+        <p:nvSpPr>
+          <p:cNvPr id="10" name="Pentagon 9"/>
+          <p:cNvSpPr/>
+          <p:nvPr/>
+        </p:nvSpPr>
+        <p:spPr>
+          <a:xfrm>
+            <a:off x="1176662" y="1725302"/>
+            <a:ext cx="1127760" cy="487680"/>
+          </a:xfrm>
+          <a:custGeom>
+            <a:avLst/>
+            <a:gdLst/>
+            <a:ahLst/>
+            <a:cxnLst/>
+            <a:rect l="l" t="t" r="r" b="b"/>
+            <a:pathLst>
+              <a:path w="2819400" h="1219200">
+                <a:moveTo>
+                  <a:pt x="0" y="0"/>
+                </a:moveTo>
+                <a:lnTo>
+                  <a:pt x="2209800" y="0"/>
+                </a:lnTo>
+                <a:lnTo>
+                  <a:pt x="2819400" y="609600"/>
+                </a:lnTo>
+                <a:lnTo>
+                  <a:pt x="2209800" y="1219200"/>
+                </a:lnTo>
+                <a:lnTo>
+                  <a:pt x="0" y="1219200"/>
+                </a:lnTo>
+                <a:lnTo>
+                  <a:pt x="609600" y="609600"/>
+                </a:lnTo>
+                <a:close/>
+              </a:path>
+            </a:pathLst>
+          </a:custGeom>
+          <a:solidFill>
+            <a:schemeClr val="bg1"/>
+          </a:solidFill>
+          <a:ln>
+            <a:solidFill>
+              <a:schemeClr val="tx2">
+                <a:lumMod val="60000"/>
+                <a:lumOff val="40000"/>
+              </a:schemeClr>
+            </a:solidFill>
+          </a:ln>
+        </p:spPr>
+        <p:style>
+          <a:lnRef idx="2">
+            <a:schemeClr val="accent1">
+              <a:shade val="50000"/>
+            </a:schemeClr>
+          </a:lnRef>
+          <a:fillRef idx="1">
+            <a:schemeClr val="accent1"/>
+          </a:fillRef>
+          <a:effectRef idx="0">
+            <a:schemeClr val="accent1"/>
+          </a:effectRef>
+          <a:fontRef idx="minor">
+            <a:schemeClr val="lt1"/>
+          </a:fontRef>
+        </p:style>
+        <p:txBody>
+          <a:bodyPr lIns="36576" tIns="18288" rIns="36576" bIns="18288" rtlCol="0" anchor="ctr"/>
+          <a:lstStyle/>
+          <a:p>
+            <a:pPr algn="ctr"/>
+            <a:r>
+              <a:rPr lang="en-US" sz="1000" b="1" dirty="0">
+                <a:solidFill>
+                  <a:srgbClr val="0070C0"/>
+                </a:solidFill>
+              </a:rPr>
+              <a:t>Step 2</a:t>
+            </a:r>
+            <a:endParaRPr lang="en-SG" sz="1000" b="1" dirty="0">
+              <a:solidFill>
+                <a:srgbClr val="0070C0"/>
+              </a:solidFill>
+            </a:endParaRPr>
+          </a:p>
+        </p:txBody>
+      </p:sp>
+      <p:sp>
+        <p:nvSpPr>
+          <p:cNvPr id="12" name="Pentagon 11"/>
+          <p:cNvSpPr/>
+          <p:nvPr/>
+        </p:nvSpPr>
+        <p:spPr>
+          <a:xfrm>
+            <a:off x="323222" y="1724633"/>
+            <a:ext cx="1066800" cy="487680"/>
+          </a:xfrm>
+          <a:prstGeom prst="homePlate">
+            <a:avLst/>
+          </a:prstGeom>
+          <a:solidFill>
+            <a:schemeClr val="bg1"/>
+          </a:solidFill>
+          <a:ln>
+            <a:solidFill>
+              <a:schemeClr val="tx2">
+                <a:lumMod val="60000"/>
+                <a:lumOff val="40000"/>
+              </a:schemeClr>
+            </a:solidFill>
+          </a:ln>
+        </p:spPr>
+        <p:style>
+          <a:lnRef idx="2">
+            <a:schemeClr val="accent1">
+              <a:shade val="50000"/>
+            </a:schemeClr>
+          </a:lnRef>
+          <a:fillRef idx="1">
+            <a:schemeClr val="accent1"/>
+          </a:fillRef>
+          <a:effectRef idx="0">
+            <a:schemeClr val="accent1"/>
+          </a:effectRef>
+          <a:fontRef idx="minor">
+            <a:schemeClr val="lt1"/>
+          </a:fontRef>
+        </p:style>
+        <p:txBody>
+          <a:bodyPr lIns="36576" tIns="18288" rIns="36576" bIns="18288" rtlCol="0" anchor="ctr"/>
+          <a:lstStyle/>
+          <a:p>
+            <a:pPr algn="ctr"/>
+            <a:r>
+              <a:rPr lang="en-US" sz="1000" b="1" dirty="0">
+                <a:solidFill>
+                  <a:srgbClr val="0070C0"/>
+                </a:solidFill>
+              </a:rPr>
+              <a:t>Step 1</a:t>
+            </a:r>
+            <a:endParaRPr lang="en-SG" sz="1000" b="1" dirty="0">
+              <a:solidFill>
+                <a:srgbClr val="0070C0"/>
+              </a:solidFill>
+            </a:endParaRPr>
+          </a:p>
+        </p:txBody>
+      </p:sp>
+      <p:sp>
+        <p:nvSpPr>
+          <p:cNvPr id="13" name="phase B"/>
+          <p:cNvSpPr/>
+          <p:nvPr/>
+        </p:nvSpPr>
+        <p:spPr>
+          <a:xfrm>
+            <a:off x="457200" y="609600"/>
+            <a:ext cx="871728" cy="396240"/>
+          </a:xfrm>
+          <a:prstGeom prst="rect">
+            <a:avLst/>
+          </a:prstGeom>
+          <a:solidFill>
+            <a:schemeClr val="tx2">
+              <a:lumMod val="60000"/>
+              <a:lumOff val="40000"/>
+            </a:schemeClr>
+          </a:solidFill>
+          <a:ln>
+            <a:noFill/>
+          </a:ln>
+        </p:spPr>
+        <p:style>
+          <a:lnRef idx="2">
+            <a:schemeClr val="accent5">
+              <a:shade val="50000"/>
+            </a:schemeClr>
+          </a:lnRef>
+          <a:fillRef idx="1">
+            <a:schemeClr val="accent5"/>
+          </a:fillRef>
+          <a:effectRef idx="0">
+            <a:schemeClr val="accent5"/>
+          </a:effectRef>
+          <a:fontRef idx="minor">
+            <a:schemeClr val="lt1"/>
+          </a:fontRef>
+        </p:style>
+        <p:txBody>
+          <a:bodyPr lIns="36576" tIns="18288" rIns="36576" bIns="18288" rtlCol="0" anchor="ctr"/>
+          <a:lstStyle/>
+          <a:p>
+            <a:pPr algn="ctr"/>
+            <a:r>
+              <a:rPr lang="en-US" sz="1000" b="1" dirty="0"/>
+              <a:t>Phase </a:t>
+            </a:r>
+            <a:r>
+              <a:rPr lang="en-US" sz="1000" b="1" dirty="0" smtClean="0"/>
+              <a:t>A</a:t>
+            </a:r>
+            <a:endParaRPr lang="en-SG" sz="1000" b="1" dirty="0"/>
+          </a:p>
+        </p:txBody>
+      </p:sp>
+      <p:sp>
+        <p:nvSpPr>
+          <p:cNvPr id="2" name="Freeform 1"/>
+          <p:cNvSpPr/>
+          <p:nvPr/>
+        </p:nvSpPr>
+        <p:spPr>
+          <a:xfrm>
+            <a:off x="219019" y="558497"/>
+            <a:ext cx="2878191" cy="1787278"/>
+          </a:xfrm>
+          <a:custGeom>
+            <a:avLst/>
+            <a:gdLst>
+              <a:gd name="connsiteX0" fmla="*/ 175215 w 2787004"/>
+              <a:gd name="connsiteY0" fmla="*/ 5476 h 1741193"/>
+              <a:gd name="connsiteX1" fmla="*/ 169739 w 2787004"/>
+              <a:gd name="connsiteY1" fmla="*/ 443512 h 1741193"/>
+              <a:gd name="connsiteX2" fmla="*/ 0 w 2787004"/>
+              <a:gd name="connsiteY2" fmla="*/ 1067713 h 1741193"/>
+              <a:gd name="connsiteX3" fmla="*/ 5476 w 2787004"/>
+              <a:gd name="connsiteY3" fmla="*/ 1741193 h 1741193"/>
+              <a:gd name="connsiteX4" fmla="*/ 2787004 w 2787004"/>
+              <a:gd name="connsiteY4" fmla="*/ 1735718 h 1741193"/>
+              <a:gd name="connsiteX5" fmla="*/ 2781528 w 2787004"/>
+              <a:gd name="connsiteY5" fmla="*/ 1067713 h 1741193"/>
+              <a:gd name="connsiteX6" fmla="*/ 1138894 w 2787004"/>
+              <a:gd name="connsiteY6" fmla="*/ 421610 h 1741193"/>
+              <a:gd name="connsiteX7" fmla="*/ 1133418 w 2787004"/>
+              <a:gd name="connsiteY7" fmla="*/ 0 h 1741193"/>
+              <a:gd name="connsiteX8" fmla="*/ 175215 w 2787004"/>
+              <a:gd name="connsiteY8" fmla="*/ 5476 h 1741193"/>
+              <a:gd name="connsiteX0" fmla="*/ 175215 w 2787004"/>
+              <a:gd name="connsiteY0" fmla="*/ 5476 h 1741193"/>
+              <a:gd name="connsiteX1" fmla="*/ 169739 w 2787004"/>
+              <a:gd name="connsiteY1" fmla="*/ 443512 h 1741193"/>
+              <a:gd name="connsiteX2" fmla="*/ 0 w 2787004"/>
+              <a:gd name="connsiteY2" fmla="*/ 1067713 h 1741193"/>
+              <a:gd name="connsiteX3" fmla="*/ 5476 w 2787004"/>
+              <a:gd name="connsiteY3" fmla="*/ 1741193 h 1741193"/>
+              <a:gd name="connsiteX4" fmla="*/ 2787004 w 2787004"/>
+              <a:gd name="connsiteY4" fmla="*/ 1735718 h 1741193"/>
+              <a:gd name="connsiteX5" fmla="*/ 2770923 w 2787004"/>
+              <a:gd name="connsiteY5" fmla="*/ 1041041 h 1741193"/>
+              <a:gd name="connsiteX6" fmla="*/ 1138894 w 2787004"/>
+              <a:gd name="connsiteY6" fmla="*/ 421610 h 1741193"/>
+              <a:gd name="connsiteX7" fmla="*/ 1133418 w 2787004"/>
+              <a:gd name="connsiteY7" fmla="*/ 0 h 1741193"/>
+              <a:gd name="connsiteX8" fmla="*/ 175215 w 2787004"/>
+              <a:gd name="connsiteY8" fmla="*/ 5476 h 1741193"/>
+              <a:gd name="connsiteX0" fmla="*/ 175215 w 2787378"/>
+              <a:gd name="connsiteY0" fmla="*/ 5476 h 1741193"/>
+              <a:gd name="connsiteX1" fmla="*/ 169739 w 2787378"/>
+              <a:gd name="connsiteY1" fmla="*/ 443512 h 1741193"/>
+              <a:gd name="connsiteX2" fmla="*/ 0 w 2787378"/>
+              <a:gd name="connsiteY2" fmla="*/ 1067713 h 1741193"/>
+              <a:gd name="connsiteX3" fmla="*/ 5476 w 2787378"/>
+              <a:gd name="connsiteY3" fmla="*/ 1741193 h 1741193"/>
+              <a:gd name="connsiteX4" fmla="*/ 2787004 w 2787378"/>
+              <a:gd name="connsiteY4" fmla="*/ 1735718 h 1741193"/>
+              <a:gd name="connsiteX5" fmla="*/ 2786831 w 2787378"/>
+              <a:gd name="connsiteY5" fmla="*/ 1035706 h 1741193"/>
+              <a:gd name="connsiteX6" fmla="*/ 1138894 w 2787378"/>
+              <a:gd name="connsiteY6" fmla="*/ 421610 h 1741193"/>
+              <a:gd name="connsiteX7" fmla="*/ 1133418 w 2787378"/>
+              <a:gd name="connsiteY7" fmla="*/ 0 h 1741193"/>
+              <a:gd name="connsiteX8" fmla="*/ 175215 w 2787378"/>
+              <a:gd name="connsiteY8" fmla="*/ 5476 h 1741193"/>
+            </a:gdLst>
+            <a:ahLst/>
+            <a:cxnLst>
+              <a:cxn ang="0">
+                <a:pos x="connsiteX0" y="connsiteY0"/>
+              </a:cxn>
+              <a:cxn ang="0">
+                <a:pos x="connsiteX1" y="connsiteY1"/>
+              </a:cxn>
+              <a:cxn ang="0">
+                <a:pos x="connsiteX2" y="connsiteY2"/>
+              </a:cxn>
+              <a:cxn ang="0">
+                <a:pos x="connsiteX3" y="connsiteY3"/>
+              </a:cxn>
+              <a:cxn ang="0">
+                <a:pos x="connsiteX4" y="connsiteY4"/>
+              </a:cxn>
+              <a:cxn ang="0">
+                <a:pos x="connsiteX5" y="connsiteY5"/>
+              </a:cxn>
+              <a:cxn ang="0">
+                <a:pos x="connsiteX6" y="connsiteY6"/>
+              </a:cxn>
+              <a:cxn ang="0">
+                <a:pos x="connsiteX7" y="connsiteY7"/>
+              </a:cxn>
+              <a:cxn ang="0">
+                <a:pos x="connsiteX8" y="connsiteY8"/>
+              </a:cxn>
+            </a:cxnLst>
+            <a:rect l="l" t="t" r="r" b="b"/>
+            <a:pathLst>
+              <a:path w="2787378" h="1741193">
+                <a:moveTo>
+                  <a:pt x="175215" y="5476"/>
+                </a:moveTo>
+                <a:cubicBezTo>
+                  <a:pt x="173390" y="151488"/>
+                  <a:pt x="171564" y="297500"/>
+                  <a:pt x="169739" y="443512"/>
+                </a:cubicBezTo>
+                <a:lnTo>
+                  <a:pt x="0" y="1067713"/>
+                </a:lnTo>
+                <a:cubicBezTo>
+                  <a:pt x="1825" y="1292206"/>
+                  <a:pt x="3651" y="1516700"/>
+                  <a:pt x="5476" y="1741193"/>
+                </a:cubicBezTo>
+                <a:lnTo>
+                  <a:pt x="2787004" y="1735718"/>
+                </a:lnTo>
+                <a:cubicBezTo>
+                  <a:pt x="2785179" y="1513050"/>
+                  <a:pt x="2788656" y="1258374"/>
+                  <a:pt x="2786831" y="1035706"/>
+                </a:cubicBezTo>
+                <a:cubicBezTo>
+                  <a:pt x="2239286" y="820338"/>
+                  <a:pt x="1686439" y="636978"/>
+                  <a:pt x="1138894" y="421610"/>
+                </a:cubicBezTo>
+                <a:cubicBezTo>
+                  <a:pt x="1137069" y="281073"/>
+                  <a:pt x="1135243" y="140537"/>
+                  <a:pt x="1133418" y="0"/>
+                </a:cubicBezTo>
+                <a:lnTo>
+                  <a:pt x="175215" y="5476"/>
+                </a:lnTo>
+                <a:close/>
+              </a:path>
+            </a:pathLst>
+          </a:custGeom>
+          <a:noFill/>
+          <a:ln>
+            <a:solidFill>
+              <a:schemeClr val="accent6">
+                <a:lumMod val="75000"/>
+              </a:schemeClr>
+            </a:solidFill>
+          </a:ln>
+        </p:spPr>
+        <p:style>
+          <a:lnRef idx="2">
+            <a:schemeClr val="accent1">
+              <a:shade val="50000"/>
+            </a:schemeClr>
+          </a:lnRef>
+          <a:fillRef idx="1">
+            <a:schemeClr val="accent1"/>
+          </a:fillRef>
+          <a:effectRef idx="0">
+            <a:schemeClr val="accent1"/>
+          </a:effectRef>
+          <a:fontRef idx="minor">
+            <a:schemeClr val="lt1"/>
+          </a:fontRef>
+        </p:style>
+        <p:txBody>
+          <a:bodyPr rtlCol="0" anchor="ctr"/>
+          <a:lstStyle/>
+          <a:p>
+            <a:pPr algn="ctr"/>
+            <a:endParaRPr lang="en-US"/>
+          </a:p>
+        </p:txBody>
+      </p:sp>
+    </p:spTree>
+    <p:extLst>
+      <p:ext uri="{BB962C8B-B14F-4D97-AF65-F5344CB8AC3E}">
+        <p14:creationId xmlns:p14="http://schemas.microsoft.com/office/powerpoint/2010/main" val="3759389626"/>
+      </p:ext>
+    </p:extLst>
+  </p:cSld>
+  <p:clrMapOvr>
+    <a:masterClrMapping/>
+  </p:clrMapOvr>
+  <mc:AlternateContent xmlns:mc="http://schemas.openxmlformats.org/markup-compatibility/2006" xmlns:p14="http://schemas.microsoft.com/office/powerpoint/2010/main">
+    <mc:Choice Requires="p14">
+      <p:transition p14:dur="0" advTm="0"/>
+    </mc:Choice>
+    <mc:Fallback xmlns="">
+      <p:transition advTm="0"/>
+    </mc:Fallback>
+  </mc:AlternateContent>
+  <p:timing>
+    <p:tnLst>
+      <p:par>
+        <p:cTn id="1" dur="indefinite" restart="never" nodeType="tmRoot">
+          <p:childTnLst>
+            <p:seq concurrent="1" nextAc="seek">
+              <p:cTn id="2" dur="indefinite" nodeType="mainSeq">
+                <p:childTnLst>
+                  <p:par>
+                    <p:cTn id="3" fill="hold">
+                      <p:stCondLst>
+                        <p:cond delay="indefinite"/>
+                      </p:stCondLst>
+                      <p:childTnLst>
+                        <p:par>
+                          <p:cTn id="4" fill="hold">
+                            <p:stCondLst>
+                              <p:cond delay="0"/>
+                            </p:stCondLst>
+                            <p:childTnLst>
+                              <p:par>
+                                <p:cTn id="5" presetID="21" presetClass="entr" presetSubtype="1" fill="hold" grpId="0" nodeType="clickEffect">
+                                  <p:stCondLst>
+                                    <p:cond delay="0"/>
+                                  </p:stCondLst>
+                                  <p:childTnLst>
+                                    <p:set>
+                                      <p:cBhvr>
+                                        <p:cTn id="6" dur="1" fill="hold">
+                                          <p:stCondLst>
+                                            <p:cond delay="0"/>
+                                          </p:stCondLst>
+                                        </p:cTn>
+                                        <p:tgtEl>
+                                          <p:spTgt spid="2"/>
+                                        </p:tgtEl>
+                                        <p:attrNameLst>
+                                          <p:attrName>style.visibility</p:attrName>
+                                        </p:attrNameLst>
+                                      </p:cBhvr>
+                                      <p:to>
+                                        <p:strVal val="visible"/>
+                                      </p:to>
+                                    </p:set>
+                                    <p:animEffect transition="in" filter="wheel(1)">
+                                      <p:cBhvr>
+                                        <p:cTn id="7" dur="2000"/>
+                                        <p:tgtEl>
+                                          <p:spTgt spid="2"/>
+                                        </p:tgtEl>
+                                      </p:cBhvr>
+                                    </p:animEffect>
+                                  </p:childTnLst>
+                                </p:cTn>
+                              </p:par>
+                            </p:childTnLst>
+                          </p:cTn>
+                        </p:par>
+                      </p:childTnLst>
+                    </p:cTn>
+                  </p:par>
+                </p:childTnLst>
+              </p:cTn>
+              <p:prevCondLst>
+                <p:cond evt="onPrev" delay="0">
+                  <p:tgtEl>
+                    <p:sldTgt/>
+                  </p:tgtEl>
+                </p:cond>
+              </p:prevCondLst>
+              <p:nextCondLst>
+                <p:cond evt="onNext" delay="0">
+                  <p:tgtEl>
+                    <p:sldTgt/>
+                  </p:tgtEl>
+                </p:cond>
+              </p:nextCondLst>
+            </p:seq>
+          </p:childTnLst>
+        </p:cTn>
+      </p:par>
+    </p:tnLst>
+    <p:bldLst>
+      <p:bldP spid="2" grpId="0" animBg="1"/>
+    </p:bldLst>
+  </p:timing>
+</p:sld>
+</file>
+
+<file path=ppt/slides/slide2.xml><?xml version="1.0" encoding="utf-8"?>
+<p:sld xmlns:a="http://schemas.openxmlformats.org/drawingml/2006/main" xmlns:r="http://schemas.openxmlformats.org/officeDocument/2006/relationships" xmlns:p="http://schemas.openxmlformats.org/presentationml/2006/main">
+  <p:cSld>
+    <p:spTree>
+      <p:nvGrpSpPr>
+        <p:cNvPr id="1" name=""/>
+        <p:cNvGrpSpPr/>
+        <p:nvPr/>
+      </p:nvGrpSpPr>
+      <p:grpSpPr>
+        <a:xfrm>
+          <a:off x="0" y="0"/>
+          <a:ext cx="0" cy="0"/>
+          <a:chOff x="0" y="0"/>
+          <a:chExt cx="0" cy="0"/>
+        </a:xfrm>
+      </p:grpSpPr>
+      <p:sp>
+        <p:nvSpPr>
+          <p:cNvPr id="7" name="phase A"/>
+          <p:cNvSpPr/>
+          <p:nvPr/>
+        </p:nvSpPr>
+        <p:spPr>
+          <a:xfrm>
+            <a:off x="274320" y="1645920"/>
+            <a:ext cx="2737104" cy="640080"/>
+          </a:xfrm>
+          <a:prstGeom prst="rect">
+            <a:avLst/>
+          </a:prstGeom>
+          <a:solidFill>
+            <a:srgbClr val="0070C0"/>
+          </a:solidFill>
+          <a:ln>
+            <a:solidFill>
+              <a:schemeClr val="bg1"/>
+            </a:solidFill>
+          </a:ln>
+        </p:spPr>
+        <p:style>
+          <a:lnRef idx="2">
+            <a:schemeClr val="accent4">
+              <a:shade val="50000"/>
+            </a:schemeClr>
+          </a:lnRef>
+          <a:fillRef idx="1">
+            <a:schemeClr val="accent4"/>
+          </a:fillRef>
+          <a:effectRef idx="0">
+            <a:schemeClr val="accent4"/>
+          </a:effectRef>
+          <a:fontRef idx="minor">
+            <a:schemeClr val="lt1"/>
+          </a:fontRef>
+        </p:style>
+        <p:txBody>
+          <a:bodyPr lIns="36576" tIns="18288" rIns="36576" bIns="18288" rtlCol="0" anchor="ctr"/>
+          <a:lstStyle/>
+          <a:p>
+            <a:pPr algn="ctr"/>
+            <a:endParaRPr lang="en-SG" sz="1000" b="1" dirty="0">
+              <a:solidFill>
+                <a:srgbClr val="0070C0"/>
+              </a:solidFill>
+            </a:endParaRPr>
+          </a:p>
+        </p:txBody>
+      </p:sp>
+      <p:sp>
+        <p:nvSpPr>
+          <p:cNvPr id="11" name="spotlight"/>
+          <p:cNvSpPr/>
+          <p:nvPr/>
+        </p:nvSpPr>
+        <p:spPr>
+          <a:xfrm>
+            <a:off x="2094345" y="1729322"/>
+            <a:ext cx="872599" cy="487680"/>
+          </a:xfrm>
+          <a:custGeom>
+            <a:avLst/>
+            <a:gdLst/>
+            <a:ahLst/>
+            <a:cxnLst/>
+            <a:rect l="l" t="t" r="r" b="b"/>
+            <a:pathLst>
+              <a:path w="2181497" h="1219200">
+                <a:moveTo>
+                  <a:pt x="0" y="0"/>
+                </a:moveTo>
+                <a:lnTo>
+                  <a:pt x="2181497" y="0"/>
+                </a:lnTo>
+                <a:lnTo>
+                  <a:pt x="2181497" y="1219200"/>
+                </a:lnTo>
+                <a:lnTo>
+                  <a:pt x="0" y="1219200"/>
+                </a:lnTo>
+                <a:lnTo>
+                  <a:pt x="609600" y="609600"/>
+                </a:lnTo>
+                <a:close/>
+              </a:path>
+            </a:pathLst>
+          </a:custGeom>
+          <a:solidFill>
+            <a:schemeClr val="bg1"/>
+          </a:solidFill>
+          <a:ln>
+            <a:solidFill>
+              <a:srgbClr val="0070C0"/>
+            </a:solidFill>
+          </a:ln>
+        </p:spPr>
+        <p:style>
+          <a:lnRef idx="2">
+            <a:schemeClr val="accent1">
+              <a:shade val="50000"/>
+            </a:schemeClr>
+          </a:lnRef>
+          <a:fillRef idx="1">
+            <a:schemeClr val="accent1"/>
+          </a:fillRef>
+          <a:effectRef idx="0">
+            <a:schemeClr val="accent1"/>
+          </a:effectRef>
+          <a:fontRef idx="minor">
+            <a:schemeClr val="lt1"/>
+          </a:fontRef>
+        </p:style>
+        <p:txBody>
+          <a:bodyPr lIns="36576" tIns="18288" rIns="36576" bIns="18288" rtlCol="0" anchor="ctr"/>
+          <a:lstStyle/>
+          <a:p>
+            <a:pPr algn="ctr"/>
+            <a:r>
+              <a:rPr lang="en-US" sz="1000" b="1" dirty="0">
+                <a:solidFill>
+                  <a:srgbClr val="0070C0"/>
+                </a:solidFill>
+              </a:rPr>
+              <a:t>    Step 3</a:t>
+            </a:r>
+            <a:endParaRPr lang="en-SG" sz="1000" b="1" dirty="0">
+              <a:solidFill>
+                <a:srgbClr val="0070C0"/>
+              </a:solidFill>
+            </a:endParaRPr>
           </a:p>
         </p:txBody>
       </p:sp>
@@ -4547,400 +4376,14 @@
       </p:sp>
       <p:sp>
         <p:nvSpPr>
-          <p:cNvPr id="13" name="phase B"/>
+          <p:cNvPr id="14" name="Freeform 13"/>
           <p:cNvSpPr/>
           <p:nvPr/>
         </p:nvSpPr>
         <p:spPr>
           <a:xfrm>
-            <a:off x="457200" y="609600"/>
-            <a:ext cx="871728" cy="396240"/>
-          </a:xfrm>
-          <a:prstGeom prst="rect">
-            <a:avLst/>
-          </a:prstGeom>
-          <a:solidFill>
-            <a:srgbClr val="0070C0"/>
-          </a:solidFill>
-          <a:ln>
-            <a:noFill/>
-          </a:ln>
-        </p:spPr>
-        <p:style>
-          <a:lnRef idx="2">
-            <a:schemeClr val="accent5">
-              <a:shade val="50000"/>
-            </a:schemeClr>
-          </a:lnRef>
-          <a:fillRef idx="1">
-            <a:schemeClr val="accent5"/>
-          </a:fillRef>
-          <a:effectRef idx="0">
-            <a:schemeClr val="accent5"/>
-          </a:effectRef>
-          <a:fontRef idx="minor">
-            <a:schemeClr val="lt1"/>
-          </a:fontRef>
-        </p:style>
-        <p:txBody>
-          <a:bodyPr lIns="36576" tIns="18288" rIns="36576" bIns="18288" rtlCol="0" anchor="ctr"/>
-          <a:lstStyle/>
-          <a:p>
-            <a:pPr algn="ctr"/>
-            <a:r>
-              <a:rPr lang="en-US" sz="1000" b="1" dirty="0"/>
-              <a:t>Phase </a:t>
-            </a:r>
-            <a:r>
-              <a:rPr lang="en-US" sz="1000" b="1" dirty="0" smtClean="0"/>
-              <a:t>A</a:t>
-            </a:r>
-            <a:endParaRPr lang="en-SG" sz="1000" b="1" dirty="0"/>
-          </a:p>
-        </p:txBody>
-      </p:sp>
-      <p:sp>
-        <p:nvSpPr>
-          <p:cNvPr id="2" name="Freeform 1"/>
-          <p:cNvSpPr/>
-          <p:nvPr/>
-        </p:nvSpPr>
-        <p:spPr>
-          <a:xfrm>
-            <a:off x="246395" y="574922"/>
-            <a:ext cx="2787004" cy="1741193"/>
-          </a:xfrm>
-          <a:custGeom>
-            <a:avLst/>
-            <a:gdLst>
-              <a:gd name="connsiteX0" fmla="*/ 175215 w 2787004"/>
-              <a:gd name="connsiteY0" fmla="*/ 5476 h 1741193"/>
-              <a:gd name="connsiteX1" fmla="*/ 169739 w 2787004"/>
-              <a:gd name="connsiteY1" fmla="*/ 443512 h 1741193"/>
-              <a:gd name="connsiteX2" fmla="*/ 0 w 2787004"/>
-              <a:gd name="connsiteY2" fmla="*/ 1067713 h 1741193"/>
-              <a:gd name="connsiteX3" fmla="*/ 5476 w 2787004"/>
-              <a:gd name="connsiteY3" fmla="*/ 1741193 h 1741193"/>
-              <a:gd name="connsiteX4" fmla="*/ 2787004 w 2787004"/>
-              <a:gd name="connsiteY4" fmla="*/ 1735718 h 1741193"/>
-              <a:gd name="connsiteX5" fmla="*/ 2781528 w 2787004"/>
-              <a:gd name="connsiteY5" fmla="*/ 1067713 h 1741193"/>
-              <a:gd name="connsiteX6" fmla="*/ 1138894 w 2787004"/>
-              <a:gd name="connsiteY6" fmla="*/ 421610 h 1741193"/>
-              <a:gd name="connsiteX7" fmla="*/ 1133418 w 2787004"/>
-              <a:gd name="connsiteY7" fmla="*/ 0 h 1741193"/>
-              <a:gd name="connsiteX8" fmla="*/ 175215 w 2787004"/>
-              <a:gd name="connsiteY8" fmla="*/ 5476 h 1741193"/>
-            </a:gdLst>
-            <a:ahLst/>
-            <a:cxnLst>
-              <a:cxn ang="0">
-                <a:pos x="connsiteX0" y="connsiteY0"/>
-              </a:cxn>
-              <a:cxn ang="0">
-                <a:pos x="connsiteX1" y="connsiteY1"/>
-              </a:cxn>
-              <a:cxn ang="0">
-                <a:pos x="connsiteX2" y="connsiteY2"/>
-              </a:cxn>
-              <a:cxn ang="0">
-                <a:pos x="connsiteX3" y="connsiteY3"/>
-              </a:cxn>
-              <a:cxn ang="0">
-                <a:pos x="connsiteX4" y="connsiteY4"/>
-              </a:cxn>
-              <a:cxn ang="0">
-                <a:pos x="connsiteX5" y="connsiteY5"/>
-              </a:cxn>
-              <a:cxn ang="0">
-                <a:pos x="connsiteX6" y="connsiteY6"/>
-              </a:cxn>
-              <a:cxn ang="0">
-                <a:pos x="connsiteX7" y="connsiteY7"/>
-              </a:cxn>
-              <a:cxn ang="0">
-                <a:pos x="connsiteX8" y="connsiteY8"/>
-              </a:cxn>
-            </a:cxnLst>
-            <a:rect l="l" t="t" r="r" b="b"/>
-            <a:pathLst>
-              <a:path w="2787004" h="1741193">
-                <a:moveTo>
-                  <a:pt x="175215" y="5476"/>
-                </a:moveTo>
-                <a:cubicBezTo>
-                  <a:pt x="173390" y="151488"/>
-                  <a:pt x="171564" y="297500"/>
-                  <a:pt x="169739" y="443512"/>
-                </a:cubicBezTo>
-                <a:lnTo>
-                  <a:pt x="0" y="1067713"/>
-                </a:lnTo>
-                <a:cubicBezTo>
-                  <a:pt x="1825" y="1292206"/>
-                  <a:pt x="3651" y="1516700"/>
-                  <a:pt x="5476" y="1741193"/>
-                </a:cubicBezTo>
-                <a:lnTo>
-                  <a:pt x="2787004" y="1735718"/>
-                </a:lnTo>
-                <a:cubicBezTo>
-                  <a:pt x="2785179" y="1513050"/>
-                  <a:pt x="2783353" y="1290381"/>
-                  <a:pt x="2781528" y="1067713"/>
-                </a:cubicBezTo>
-                <a:lnTo>
-                  <a:pt x="1138894" y="421610"/>
-                </a:lnTo>
-                <a:cubicBezTo>
-                  <a:pt x="1137069" y="281073"/>
-                  <a:pt x="1135243" y="140537"/>
-                  <a:pt x="1133418" y="0"/>
-                </a:cubicBezTo>
-                <a:lnTo>
-                  <a:pt x="175215" y="5476"/>
-                </a:lnTo>
-                <a:close/>
-              </a:path>
-            </a:pathLst>
-          </a:custGeom>
-          <a:solidFill>
-            <a:schemeClr val="accent2">
-              <a:lumMod val="60000"/>
-              <a:lumOff val="40000"/>
-            </a:schemeClr>
-          </a:solidFill>
-          <a:ln>
-            <a:solidFill>
-              <a:srgbClr val="C00000"/>
-            </a:solidFill>
-          </a:ln>
-        </p:spPr>
-        <p:style>
-          <a:lnRef idx="2">
-            <a:schemeClr val="accent1">
-              <a:shade val="50000"/>
-            </a:schemeClr>
-          </a:lnRef>
-          <a:fillRef idx="1">
-            <a:schemeClr val="accent1"/>
-          </a:fillRef>
-          <a:effectRef idx="0">
-            <a:schemeClr val="accent1"/>
-          </a:effectRef>
-          <a:fontRef idx="minor">
-            <a:schemeClr val="lt1"/>
-          </a:fontRef>
-        </p:style>
-        <p:txBody>
-          <a:bodyPr rtlCol="0" anchor="ctr"/>
-          <a:lstStyle/>
-          <a:p>
-            <a:pPr algn="ctr"/>
-            <a:endParaRPr lang="en-US"/>
-          </a:p>
-        </p:txBody>
-      </p:sp>
-    </p:spTree>
-    <p:extLst>
-      <p:ext uri="{BB962C8B-B14F-4D97-AF65-F5344CB8AC3E}">
-        <p14:creationId xmlns:p14="http://schemas.microsoft.com/office/powerpoint/2010/main" val="442442951"/>
-      </p:ext>
-    </p:extLst>
-  </p:cSld>
-  <p:clrMapOvr>
-    <a:masterClrMapping/>
-  </p:clrMapOvr>
-  <mc:AlternateContent xmlns:mc="http://schemas.openxmlformats.org/markup-compatibility/2006">
-    <mc:Choice xmlns:p14="http://schemas.microsoft.com/office/powerpoint/2010/main" Requires="p14">
-      <p:transition p14:dur="0" advTm="1000"/>
-    </mc:Choice>
-    <mc:Fallback>
-      <p:transition advTm="1000"/>
-    </mc:Fallback>
-  </mc:AlternateContent>
-  <p:timing>
-    <p:tnLst>
-      <p:par>
-        <p:cTn id="1" dur="indefinite" restart="never" nodeType="tmRoot"/>
-      </p:par>
-    </p:tnLst>
-  </p:timing>
-</p:sld>
-</file>
-
-<file path=ppt/slides/slide3.xml><?xml version="1.0" encoding="utf-8"?>
-<p:sld xmlns:a="http://schemas.openxmlformats.org/drawingml/2006/main" xmlns:r="http://schemas.openxmlformats.org/officeDocument/2006/relationships" xmlns:p="http://schemas.openxmlformats.org/presentationml/2006/main">
-  <p:cSld name="PPTLabsSpotlight201312142320582380">
-    <p:spTree>
-      <p:nvGrpSpPr>
-        <p:cNvPr id="1" name=""/>
-        <p:cNvGrpSpPr/>
-        <p:nvPr/>
-      </p:nvGrpSpPr>
-      <p:grpSpPr>
-        <a:xfrm>
-          <a:off x="0" y="0"/>
-          <a:ext cx="0" cy="0"/>
-          <a:chOff x="0" y="0"/>
-          <a:chExt cx="0" cy="0"/>
-        </a:xfrm>
-      </p:grpSpPr>
-      <p:sp>
-        <p:nvSpPr>
-          <p:cNvPr id="7" name="phase A"/>
-          <p:cNvSpPr/>
-          <p:nvPr/>
-        </p:nvSpPr>
-        <p:spPr>
-          <a:xfrm>
-            <a:off x="274320" y="1645920"/>
-            <a:ext cx="2737104" cy="640080"/>
-          </a:xfrm>
-          <a:prstGeom prst="rect">
-            <a:avLst/>
-          </a:prstGeom>
-          <a:solidFill>
-            <a:schemeClr val="tx2">
-              <a:lumMod val="60000"/>
-              <a:lumOff val="40000"/>
-            </a:schemeClr>
-          </a:solidFill>
-          <a:ln>
-            <a:solidFill>
-              <a:schemeClr val="tx2">
-                <a:lumMod val="60000"/>
-                <a:lumOff val="40000"/>
-              </a:schemeClr>
-            </a:solidFill>
-          </a:ln>
-        </p:spPr>
-        <p:style>
-          <a:lnRef idx="2">
-            <a:schemeClr val="accent4">
-              <a:shade val="50000"/>
-            </a:schemeClr>
-          </a:lnRef>
-          <a:fillRef idx="1">
-            <a:schemeClr val="accent4"/>
-          </a:fillRef>
-          <a:effectRef idx="0">
-            <a:schemeClr val="accent4"/>
-          </a:effectRef>
-          <a:fontRef idx="minor">
-            <a:schemeClr val="lt1"/>
-          </a:fontRef>
-        </p:style>
-        <p:txBody>
-          <a:bodyPr lIns="36576" tIns="18288" rIns="36576" bIns="18288" rtlCol="0" anchor="ctr"/>
-          <a:lstStyle/>
-          <a:p>
-            <a:pPr algn="ctr"/>
-            <a:endParaRPr lang="en-SG" sz="1000" b="1" dirty="0">
-              <a:solidFill>
-                <a:srgbClr val="0070C0"/>
-              </a:solidFill>
-            </a:endParaRPr>
-          </a:p>
-        </p:txBody>
-      </p:sp>
-      <p:sp>
-        <p:nvSpPr>
-          <p:cNvPr id="11" name="spotlight"/>
-          <p:cNvSpPr/>
-          <p:nvPr/>
-        </p:nvSpPr>
-        <p:spPr>
-          <a:xfrm>
-            <a:off x="2094345" y="1729322"/>
-            <a:ext cx="872599" cy="487680"/>
-          </a:xfrm>
-          <a:custGeom>
-            <a:avLst/>
-            <a:gdLst/>
-            <a:ahLst/>
-            <a:cxnLst/>
-            <a:rect l="l" t="t" r="r" b="b"/>
-            <a:pathLst>
-              <a:path w="2181497" h="1219200">
-                <a:moveTo>
-                  <a:pt x="0" y="0"/>
-                </a:moveTo>
-                <a:lnTo>
-                  <a:pt x="2181497" y="0"/>
-                </a:lnTo>
-                <a:lnTo>
-                  <a:pt x="2181497" y="1219200"/>
-                </a:lnTo>
-                <a:lnTo>
-                  <a:pt x="0" y="1219200"/>
-                </a:lnTo>
-                <a:lnTo>
-                  <a:pt x="609600" y="609600"/>
-                </a:lnTo>
-                <a:close/>
-              </a:path>
-            </a:pathLst>
-          </a:custGeom>
-          <a:solidFill>
-            <a:schemeClr val="bg1"/>
-          </a:solidFill>
-          <a:ln>
-            <a:solidFill>
-              <a:schemeClr val="tx2">
-                <a:lumMod val="60000"/>
-                <a:lumOff val="40000"/>
-              </a:schemeClr>
-            </a:solidFill>
-          </a:ln>
-        </p:spPr>
-        <p:style>
-          <a:lnRef idx="2">
-            <a:schemeClr val="accent1">
-              <a:shade val="50000"/>
-            </a:schemeClr>
-          </a:lnRef>
-          <a:fillRef idx="1">
-            <a:schemeClr val="accent1"/>
-          </a:fillRef>
-          <a:effectRef idx="0">
-            <a:schemeClr val="accent1"/>
-          </a:effectRef>
-          <a:fontRef idx="minor">
-            <a:schemeClr val="lt1"/>
-          </a:fontRef>
-        </p:style>
-        <p:txBody>
-          <a:bodyPr lIns="36576" tIns="18288" rIns="36576" bIns="18288" rtlCol="0" anchor="ctr"/>
-          <a:lstStyle/>
-          <a:p>
-            <a:pPr algn="ctr"/>
-            <a:r>
-              <a:rPr lang="en-US" sz="1000" b="1" dirty="0">
-                <a:solidFill>
-                  <a:srgbClr val="0070C0"/>
-                </a:solidFill>
-              </a:rPr>
-              <a:t>    Step 3</a:t>
-            </a:r>
-            <a:endParaRPr lang="en-SG" sz="1000" b="1" dirty="0">
-              <a:solidFill>
-                <a:srgbClr val="0070C0"/>
-              </a:solidFill>
-            </a:endParaRPr>
-          </a:p>
-        </p:txBody>
-      </p:sp>
-      <p:sp>
-        <p:nvSpPr>
-          <p:cNvPr id="18" name="Freeform 17"/>
-          <p:cNvSpPr/>
-          <p:nvPr/>
-        </p:nvSpPr>
-        <p:spPr>
-          <a:xfrm>
-            <a:off x="288303" y="1020912"/>
-            <a:ext cx="2719672" cy="625007"/>
+            <a:off x="288303" y="1037338"/>
+            <a:ext cx="2678641" cy="579288"/>
           </a:xfrm>
           <a:custGeom>
             <a:avLst/>
@@ -5046,12 +4489,24 @@
               </a:path>
             </a:pathLst>
           </a:custGeom>
-          <a:solidFill>
-            <a:schemeClr val="accent1">
-              <a:lumMod val="20000"/>
-              <a:lumOff val="80000"/>
-            </a:schemeClr>
-          </a:solidFill>
+          <a:gradFill flip="none" rotWithShape="1">
+            <a:gsLst>
+              <a:gs pos="0">
+                <a:srgbClr val="0070C0"/>
+              </a:gs>
+              <a:gs pos="100000">
+                <a:schemeClr val="bg1"/>
+              </a:gs>
+              <a:gs pos="100000">
+                <a:schemeClr val="accent1">
+                  <a:tint val="23500"/>
+                  <a:satMod val="160000"/>
+                </a:schemeClr>
+              </a:gs>
+            </a:gsLst>
+            <a:lin ang="5400000" scaled="1"/>
+            <a:tileRect/>
+          </a:gradFill>
           <a:ln>
             <a:noFill/>
           </a:ln>
@@ -5083,13 +4538,13 @@
       </p:sp>
       <p:sp>
         <p:nvSpPr>
-          <p:cNvPr id="21" name="phase B"/>
+          <p:cNvPr id="15" name="phase B"/>
           <p:cNvSpPr/>
           <p:nvPr/>
         </p:nvSpPr>
         <p:spPr>
           <a:xfrm>
-            <a:off x="1389888" y="609600"/>
+            <a:off x="1469136" y="609600"/>
             <a:ext cx="871728" cy="396240"/>
           </a:xfrm>
           <a:prstGeom prst="rect">
@@ -5136,13 +4591,13 @@
       </p:sp>
       <p:sp>
         <p:nvSpPr>
-          <p:cNvPr id="22" name="phase C"/>
+          <p:cNvPr id="16" name="phase C"/>
           <p:cNvSpPr/>
           <p:nvPr/>
         </p:nvSpPr>
         <p:spPr>
           <a:xfrm>
-            <a:off x="2322576" y="609600"/>
+            <a:off x="2481072" y="609600"/>
             <a:ext cx="871728" cy="396240"/>
           </a:xfrm>
           <a:prstGeom prst="rect">
@@ -5184,6 +4639,760 @@
               <a:t>Phase C</a:t>
             </a:r>
             <a:endParaRPr lang="en-SG" sz="1000" b="1" dirty="0"/>
+          </a:p>
+        </p:txBody>
+      </p:sp>
+      <p:sp>
+        <p:nvSpPr>
+          <p:cNvPr id="17" name="phase B"/>
+          <p:cNvSpPr/>
+          <p:nvPr/>
+        </p:nvSpPr>
+        <p:spPr>
+          <a:xfrm>
+            <a:off x="457200" y="609600"/>
+            <a:ext cx="871728" cy="396240"/>
+          </a:xfrm>
+          <a:prstGeom prst="rect">
+            <a:avLst/>
+          </a:prstGeom>
+          <a:solidFill>
+            <a:schemeClr val="tx2">
+              <a:lumMod val="60000"/>
+              <a:lumOff val="40000"/>
+            </a:schemeClr>
+          </a:solidFill>
+          <a:ln>
+            <a:noFill/>
+          </a:ln>
+        </p:spPr>
+        <p:style>
+          <a:lnRef idx="2">
+            <a:schemeClr val="accent5">
+              <a:shade val="50000"/>
+            </a:schemeClr>
+          </a:lnRef>
+          <a:fillRef idx="1">
+            <a:schemeClr val="accent5"/>
+          </a:fillRef>
+          <a:effectRef idx="0">
+            <a:schemeClr val="accent5"/>
+          </a:effectRef>
+          <a:fontRef idx="minor">
+            <a:schemeClr val="lt1"/>
+          </a:fontRef>
+        </p:style>
+        <p:txBody>
+          <a:bodyPr lIns="36576" tIns="18288" rIns="36576" bIns="18288" rtlCol="0" anchor="ctr"/>
+          <a:lstStyle/>
+          <a:p>
+            <a:pPr algn="ctr"/>
+            <a:r>
+              <a:rPr lang="en-US" sz="1000" b="1" dirty="0"/>
+              <a:t>Phase </a:t>
+            </a:r>
+            <a:r>
+              <a:rPr lang="en-US" sz="1000" b="1" dirty="0" smtClean="0"/>
+              <a:t>A</a:t>
+            </a:r>
+            <a:endParaRPr lang="en-SG" sz="1000" b="1" dirty="0"/>
+          </a:p>
+        </p:txBody>
+      </p:sp>
+      <p:sp>
+        <p:nvSpPr>
+          <p:cNvPr id="19" name="Freeform 18"/>
+          <p:cNvSpPr/>
+          <p:nvPr/>
+        </p:nvSpPr>
+        <p:spPr>
+          <a:xfrm>
+            <a:off x="219019" y="558497"/>
+            <a:ext cx="2878191" cy="1787278"/>
+          </a:xfrm>
+          <a:custGeom>
+            <a:avLst/>
+            <a:gdLst>
+              <a:gd name="connsiteX0" fmla="*/ 175215 w 2787004"/>
+              <a:gd name="connsiteY0" fmla="*/ 5476 h 1741193"/>
+              <a:gd name="connsiteX1" fmla="*/ 169739 w 2787004"/>
+              <a:gd name="connsiteY1" fmla="*/ 443512 h 1741193"/>
+              <a:gd name="connsiteX2" fmla="*/ 0 w 2787004"/>
+              <a:gd name="connsiteY2" fmla="*/ 1067713 h 1741193"/>
+              <a:gd name="connsiteX3" fmla="*/ 5476 w 2787004"/>
+              <a:gd name="connsiteY3" fmla="*/ 1741193 h 1741193"/>
+              <a:gd name="connsiteX4" fmla="*/ 2787004 w 2787004"/>
+              <a:gd name="connsiteY4" fmla="*/ 1735718 h 1741193"/>
+              <a:gd name="connsiteX5" fmla="*/ 2781528 w 2787004"/>
+              <a:gd name="connsiteY5" fmla="*/ 1067713 h 1741193"/>
+              <a:gd name="connsiteX6" fmla="*/ 1138894 w 2787004"/>
+              <a:gd name="connsiteY6" fmla="*/ 421610 h 1741193"/>
+              <a:gd name="connsiteX7" fmla="*/ 1133418 w 2787004"/>
+              <a:gd name="connsiteY7" fmla="*/ 0 h 1741193"/>
+              <a:gd name="connsiteX8" fmla="*/ 175215 w 2787004"/>
+              <a:gd name="connsiteY8" fmla="*/ 5476 h 1741193"/>
+              <a:gd name="connsiteX0" fmla="*/ 175215 w 2787004"/>
+              <a:gd name="connsiteY0" fmla="*/ 5476 h 1741193"/>
+              <a:gd name="connsiteX1" fmla="*/ 169739 w 2787004"/>
+              <a:gd name="connsiteY1" fmla="*/ 443512 h 1741193"/>
+              <a:gd name="connsiteX2" fmla="*/ 0 w 2787004"/>
+              <a:gd name="connsiteY2" fmla="*/ 1067713 h 1741193"/>
+              <a:gd name="connsiteX3" fmla="*/ 5476 w 2787004"/>
+              <a:gd name="connsiteY3" fmla="*/ 1741193 h 1741193"/>
+              <a:gd name="connsiteX4" fmla="*/ 2787004 w 2787004"/>
+              <a:gd name="connsiteY4" fmla="*/ 1735718 h 1741193"/>
+              <a:gd name="connsiteX5" fmla="*/ 2770923 w 2787004"/>
+              <a:gd name="connsiteY5" fmla="*/ 1041041 h 1741193"/>
+              <a:gd name="connsiteX6" fmla="*/ 1138894 w 2787004"/>
+              <a:gd name="connsiteY6" fmla="*/ 421610 h 1741193"/>
+              <a:gd name="connsiteX7" fmla="*/ 1133418 w 2787004"/>
+              <a:gd name="connsiteY7" fmla="*/ 0 h 1741193"/>
+              <a:gd name="connsiteX8" fmla="*/ 175215 w 2787004"/>
+              <a:gd name="connsiteY8" fmla="*/ 5476 h 1741193"/>
+              <a:gd name="connsiteX0" fmla="*/ 175215 w 2787378"/>
+              <a:gd name="connsiteY0" fmla="*/ 5476 h 1741193"/>
+              <a:gd name="connsiteX1" fmla="*/ 169739 w 2787378"/>
+              <a:gd name="connsiteY1" fmla="*/ 443512 h 1741193"/>
+              <a:gd name="connsiteX2" fmla="*/ 0 w 2787378"/>
+              <a:gd name="connsiteY2" fmla="*/ 1067713 h 1741193"/>
+              <a:gd name="connsiteX3" fmla="*/ 5476 w 2787378"/>
+              <a:gd name="connsiteY3" fmla="*/ 1741193 h 1741193"/>
+              <a:gd name="connsiteX4" fmla="*/ 2787004 w 2787378"/>
+              <a:gd name="connsiteY4" fmla="*/ 1735718 h 1741193"/>
+              <a:gd name="connsiteX5" fmla="*/ 2786831 w 2787378"/>
+              <a:gd name="connsiteY5" fmla="*/ 1035706 h 1741193"/>
+              <a:gd name="connsiteX6" fmla="*/ 1138894 w 2787378"/>
+              <a:gd name="connsiteY6" fmla="*/ 421610 h 1741193"/>
+              <a:gd name="connsiteX7" fmla="*/ 1133418 w 2787378"/>
+              <a:gd name="connsiteY7" fmla="*/ 0 h 1741193"/>
+              <a:gd name="connsiteX8" fmla="*/ 175215 w 2787378"/>
+              <a:gd name="connsiteY8" fmla="*/ 5476 h 1741193"/>
+            </a:gdLst>
+            <a:ahLst/>
+            <a:cxnLst>
+              <a:cxn ang="0">
+                <a:pos x="connsiteX0" y="connsiteY0"/>
+              </a:cxn>
+              <a:cxn ang="0">
+                <a:pos x="connsiteX1" y="connsiteY1"/>
+              </a:cxn>
+              <a:cxn ang="0">
+                <a:pos x="connsiteX2" y="connsiteY2"/>
+              </a:cxn>
+              <a:cxn ang="0">
+                <a:pos x="connsiteX3" y="connsiteY3"/>
+              </a:cxn>
+              <a:cxn ang="0">
+                <a:pos x="connsiteX4" y="connsiteY4"/>
+              </a:cxn>
+              <a:cxn ang="0">
+                <a:pos x="connsiteX5" y="connsiteY5"/>
+              </a:cxn>
+              <a:cxn ang="0">
+                <a:pos x="connsiteX6" y="connsiteY6"/>
+              </a:cxn>
+              <a:cxn ang="0">
+                <a:pos x="connsiteX7" y="connsiteY7"/>
+              </a:cxn>
+              <a:cxn ang="0">
+                <a:pos x="connsiteX8" y="connsiteY8"/>
+              </a:cxn>
+            </a:cxnLst>
+            <a:rect l="l" t="t" r="r" b="b"/>
+            <a:pathLst>
+              <a:path w="2787378" h="1741193">
+                <a:moveTo>
+                  <a:pt x="175215" y="5476"/>
+                </a:moveTo>
+                <a:cubicBezTo>
+                  <a:pt x="173390" y="151488"/>
+                  <a:pt x="171564" y="297500"/>
+                  <a:pt x="169739" y="443512"/>
+                </a:cubicBezTo>
+                <a:lnTo>
+                  <a:pt x="0" y="1067713"/>
+                </a:lnTo>
+                <a:cubicBezTo>
+                  <a:pt x="1825" y="1292206"/>
+                  <a:pt x="3651" y="1516700"/>
+                  <a:pt x="5476" y="1741193"/>
+                </a:cubicBezTo>
+                <a:lnTo>
+                  <a:pt x="2787004" y="1735718"/>
+                </a:lnTo>
+                <a:cubicBezTo>
+                  <a:pt x="2785179" y="1513050"/>
+                  <a:pt x="2788656" y="1258374"/>
+                  <a:pt x="2786831" y="1035706"/>
+                </a:cubicBezTo>
+                <a:cubicBezTo>
+                  <a:pt x="2239286" y="820338"/>
+                  <a:pt x="1686439" y="636978"/>
+                  <a:pt x="1138894" y="421610"/>
+                </a:cubicBezTo>
+                <a:cubicBezTo>
+                  <a:pt x="1137069" y="281073"/>
+                  <a:pt x="1135243" y="140537"/>
+                  <a:pt x="1133418" y="0"/>
+                </a:cubicBezTo>
+                <a:lnTo>
+                  <a:pt x="175215" y="5476"/>
+                </a:lnTo>
+                <a:close/>
+              </a:path>
+            </a:pathLst>
+          </a:custGeom>
+          <a:solidFill>
+            <a:schemeClr val="accent6">
+              <a:lumMod val="60000"/>
+              <a:lumOff val="40000"/>
+            </a:schemeClr>
+          </a:solidFill>
+          <a:ln>
+            <a:solidFill>
+              <a:schemeClr val="accent6">
+                <a:lumMod val="75000"/>
+              </a:schemeClr>
+            </a:solidFill>
+          </a:ln>
+        </p:spPr>
+        <p:style>
+          <a:lnRef idx="2">
+            <a:schemeClr val="accent1">
+              <a:shade val="50000"/>
+            </a:schemeClr>
+          </a:lnRef>
+          <a:fillRef idx="1">
+            <a:schemeClr val="accent1"/>
+          </a:fillRef>
+          <a:effectRef idx="0">
+            <a:schemeClr val="accent1"/>
+          </a:effectRef>
+          <a:fontRef idx="minor">
+            <a:schemeClr val="lt1"/>
+          </a:fontRef>
+        </p:style>
+        <p:txBody>
+          <a:bodyPr rtlCol="0" anchor="ctr"/>
+          <a:lstStyle/>
+          <a:p>
+            <a:pPr algn="ctr"/>
+            <a:endParaRPr lang="en-US"/>
+          </a:p>
+        </p:txBody>
+      </p:sp>
+    </p:spTree>
+    <p:extLst>
+      <p:ext uri="{BB962C8B-B14F-4D97-AF65-F5344CB8AC3E}">
+        <p14:creationId xmlns:p14="http://schemas.microsoft.com/office/powerpoint/2010/main" val="442442951"/>
+      </p:ext>
+    </p:extLst>
+  </p:cSld>
+  <p:clrMapOvr>
+    <a:masterClrMapping/>
+  </p:clrMapOvr>
+  <mc:AlternateContent xmlns:mc="http://schemas.openxmlformats.org/markup-compatibility/2006" xmlns:p14="http://schemas.microsoft.com/office/powerpoint/2010/main">
+    <mc:Choice Requires="p14">
+      <p:transition p14:dur="0" advTm="1000"/>
+    </mc:Choice>
+    <mc:Fallback xmlns="">
+      <p:transition advTm="1000"/>
+    </mc:Fallback>
+  </mc:AlternateContent>
+  <p:timing>
+    <p:tnLst>
+      <p:par>
+        <p:cTn id="1" dur="indefinite" restart="never" nodeType="tmRoot"/>
+      </p:par>
+    </p:tnLst>
+  </p:timing>
+</p:sld>
+</file>
+
+<file path=ppt/slides/slide3.xml><?xml version="1.0" encoding="utf-8"?>
+<p:sld xmlns:a="http://schemas.openxmlformats.org/drawingml/2006/main" xmlns:r="http://schemas.openxmlformats.org/officeDocument/2006/relationships" xmlns:p="http://schemas.openxmlformats.org/presentationml/2006/main">
+  <p:cSld name="PPTLabsSpotlight201312142320582380">
+    <p:spTree>
+      <p:nvGrpSpPr>
+        <p:cNvPr id="1" name=""/>
+        <p:cNvGrpSpPr/>
+        <p:nvPr/>
+      </p:nvGrpSpPr>
+      <p:grpSpPr>
+        <a:xfrm>
+          <a:off x="0" y="0"/>
+          <a:ext cx="0" cy="0"/>
+          <a:chOff x="0" y="0"/>
+          <a:chExt cx="0" cy="0"/>
+        </a:xfrm>
+      </p:grpSpPr>
+      <p:sp>
+        <p:nvSpPr>
+          <p:cNvPr id="15" name="Freeform 14"/>
+          <p:cNvSpPr/>
+          <p:nvPr/>
+        </p:nvSpPr>
+        <p:spPr>
+          <a:xfrm>
+            <a:off x="288303" y="1037338"/>
+            <a:ext cx="2678641" cy="579288"/>
+          </a:xfrm>
+          <a:custGeom>
+            <a:avLst/>
+            <a:gdLst>
+              <a:gd name="connsiteX0" fmla="*/ 2331218 w 6863024"/>
+              <a:gd name="connsiteY0" fmla="*/ 0 h 904352"/>
+              <a:gd name="connsiteX1" fmla="*/ 4521758 w 6863024"/>
+              <a:gd name="connsiteY1" fmla="*/ 0 h 904352"/>
+              <a:gd name="connsiteX2" fmla="*/ 6863024 w 6863024"/>
+              <a:gd name="connsiteY2" fmla="*/ 904352 h 904352"/>
+              <a:gd name="connsiteX3" fmla="*/ 0 w 6863024"/>
+              <a:gd name="connsiteY3" fmla="*/ 904352 h 904352"/>
+              <a:gd name="connsiteX4" fmla="*/ 2331218 w 6863024"/>
+              <a:gd name="connsiteY4" fmla="*/ 0 h 904352"/>
+              <a:gd name="connsiteX0" fmla="*/ 0 w 6899630"/>
+              <a:gd name="connsiteY0" fmla="*/ 50241 h 904352"/>
+              <a:gd name="connsiteX1" fmla="*/ 4558364 w 6899630"/>
+              <a:gd name="connsiteY1" fmla="*/ 0 h 904352"/>
+              <a:gd name="connsiteX2" fmla="*/ 6899630 w 6899630"/>
+              <a:gd name="connsiteY2" fmla="*/ 904352 h 904352"/>
+              <a:gd name="connsiteX3" fmla="*/ 36606 w 6899630"/>
+              <a:gd name="connsiteY3" fmla="*/ 904352 h 904352"/>
+              <a:gd name="connsiteX4" fmla="*/ 0 w 6899630"/>
+              <a:gd name="connsiteY4" fmla="*/ 50241 h 904352"/>
+              <a:gd name="connsiteX0" fmla="*/ 0 w 6899630"/>
+              <a:gd name="connsiteY0" fmla="*/ 10048 h 864159"/>
+              <a:gd name="connsiteX1" fmla="*/ 2180289 w 6899630"/>
+              <a:gd name="connsiteY1" fmla="*/ 0 h 864159"/>
+              <a:gd name="connsiteX2" fmla="*/ 6899630 w 6899630"/>
+              <a:gd name="connsiteY2" fmla="*/ 864159 h 864159"/>
+              <a:gd name="connsiteX3" fmla="*/ 36606 w 6899630"/>
+              <a:gd name="connsiteY3" fmla="*/ 864159 h 864159"/>
+              <a:gd name="connsiteX4" fmla="*/ 0 w 6899630"/>
+              <a:gd name="connsiteY4" fmla="*/ 10048 h 864159"/>
+              <a:gd name="connsiteX0" fmla="*/ 455409 w 7355039"/>
+              <a:gd name="connsiteY0" fmla="*/ 10048 h 864159"/>
+              <a:gd name="connsiteX1" fmla="*/ 2635698 w 7355039"/>
+              <a:gd name="connsiteY1" fmla="*/ 0 h 864159"/>
+              <a:gd name="connsiteX2" fmla="*/ 7355039 w 7355039"/>
+              <a:gd name="connsiteY2" fmla="*/ 864159 h 864159"/>
+              <a:gd name="connsiteX3" fmla="*/ 0 w 7355039"/>
+              <a:gd name="connsiteY3" fmla="*/ 864159 h 864159"/>
+              <a:gd name="connsiteX4" fmla="*/ 455409 w 7355039"/>
+              <a:gd name="connsiteY4" fmla="*/ 10048 h 864159"/>
+              <a:gd name="connsiteX0" fmla="*/ 455409 w 6955276"/>
+              <a:gd name="connsiteY0" fmla="*/ 10048 h 864159"/>
+              <a:gd name="connsiteX1" fmla="*/ 2635698 w 6955276"/>
+              <a:gd name="connsiteY1" fmla="*/ 0 h 864159"/>
+              <a:gd name="connsiteX2" fmla="*/ 6955276 w 6955276"/>
+              <a:gd name="connsiteY2" fmla="*/ 854111 h 864159"/>
+              <a:gd name="connsiteX3" fmla="*/ 0 w 6955276"/>
+              <a:gd name="connsiteY3" fmla="*/ 864159 h 864159"/>
+              <a:gd name="connsiteX4" fmla="*/ 455409 w 6955276"/>
+              <a:gd name="connsiteY4" fmla="*/ 10048 h 864159"/>
+              <a:gd name="connsiteX0" fmla="*/ 455409 w 6935843"/>
+              <a:gd name="connsiteY0" fmla="*/ 10048 h 866811"/>
+              <a:gd name="connsiteX1" fmla="*/ 2635698 w 6935843"/>
+              <a:gd name="connsiteY1" fmla="*/ 0 h 866811"/>
+              <a:gd name="connsiteX2" fmla="*/ 6935843 w 6935843"/>
+              <a:gd name="connsiteY2" fmla="*/ 866811 h 866811"/>
+              <a:gd name="connsiteX3" fmla="*/ 0 w 6935843"/>
+              <a:gd name="connsiteY3" fmla="*/ 864159 h 866811"/>
+              <a:gd name="connsiteX4" fmla="*/ 455409 w 6935843"/>
+              <a:gd name="connsiteY4" fmla="*/ 10048 h 866811"/>
+            </a:gdLst>
+            <a:ahLst/>
+            <a:cxnLst>
+              <a:cxn ang="0">
+                <a:pos x="connsiteX0" y="connsiteY0"/>
+              </a:cxn>
+              <a:cxn ang="0">
+                <a:pos x="connsiteX1" y="connsiteY1"/>
+              </a:cxn>
+              <a:cxn ang="0">
+                <a:pos x="connsiteX2" y="connsiteY2"/>
+              </a:cxn>
+              <a:cxn ang="0">
+                <a:pos x="connsiteX3" y="connsiteY3"/>
+              </a:cxn>
+              <a:cxn ang="0">
+                <a:pos x="connsiteX4" y="connsiteY4"/>
+              </a:cxn>
+            </a:cxnLst>
+            <a:rect l="l" t="t" r="r" b="b"/>
+            <a:pathLst>
+              <a:path w="6935843" h="866811">
+                <a:moveTo>
+                  <a:pt x="455409" y="10048"/>
+                </a:moveTo>
+                <a:lnTo>
+                  <a:pt x="2635698" y="0"/>
+                </a:lnTo>
+                <a:lnTo>
+                  <a:pt x="6935843" y="866811"/>
+                </a:lnTo>
+                <a:lnTo>
+                  <a:pt x="0" y="864159"/>
+                </a:lnTo>
+                <a:lnTo>
+                  <a:pt x="455409" y="10048"/>
+                </a:lnTo>
+                <a:close/>
+              </a:path>
+            </a:pathLst>
+          </a:custGeom>
+          <a:gradFill flip="none" rotWithShape="1">
+            <a:gsLst>
+              <a:gs pos="0">
+                <a:srgbClr val="0070C0"/>
+              </a:gs>
+              <a:gs pos="100000">
+                <a:schemeClr val="bg1"/>
+              </a:gs>
+              <a:gs pos="100000">
+                <a:schemeClr val="accent1">
+                  <a:tint val="23500"/>
+                  <a:satMod val="160000"/>
+                </a:schemeClr>
+              </a:gs>
+            </a:gsLst>
+            <a:lin ang="5400000" scaled="1"/>
+            <a:tileRect/>
+          </a:gradFill>
+          <a:ln>
+            <a:noFill/>
+          </a:ln>
+        </p:spPr>
+        <p:style>
+          <a:lnRef idx="2">
+            <a:schemeClr val="accent1">
+              <a:shade val="50000"/>
+            </a:schemeClr>
+          </a:lnRef>
+          <a:fillRef idx="1">
+            <a:schemeClr val="accent1"/>
+          </a:fillRef>
+          <a:effectRef idx="0">
+            <a:schemeClr val="accent1"/>
+          </a:effectRef>
+          <a:fontRef idx="minor">
+            <a:schemeClr val="lt1"/>
+          </a:fontRef>
+        </p:style>
+        <p:txBody>
+          <a:bodyPr lIns="36576" tIns="18288" rIns="36576" bIns="18288" rtlCol="0" anchor="ctr"/>
+          <a:lstStyle/>
+          <a:p>
+            <a:pPr algn="ctr"/>
+            <a:endParaRPr lang="en-SG"/>
+          </a:p>
+        </p:txBody>
+      </p:sp>
+      <p:sp>
+        <p:nvSpPr>
+          <p:cNvPr id="17" name="phase B"/>
+          <p:cNvSpPr/>
+          <p:nvPr/>
+        </p:nvSpPr>
+        <p:spPr>
+          <a:xfrm>
+            <a:off x="1469136" y="609600"/>
+            <a:ext cx="871728" cy="396240"/>
+          </a:xfrm>
+          <a:prstGeom prst="rect">
+            <a:avLst/>
+          </a:prstGeom>
+          <a:solidFill>
+            <a:schemeClr val="tx2">
+              <a:lumMod val="60000"/>
+              <a:lumOff val="40000"/>
+            </a:schemeClr>
+          </a:solidFill>
+          <a:ln>
+            <a:noFill/>
+          </a:ln>
+        </p:spPr>
+        <p:style>
+          <a:lnRef idx="2">
+            <a:schemeClr val="accent5">
+              <a:shade val="50000"/>
+            </a:schemeClr>
+          </a:lnRef>
+          <a:fillRef idx="1">
+            <a:schemeClr val="accent5"/>
+          </a:fillRef>
+          <a:effectRef idx="0">
+            <a:schemeClr val="accent5"/>
+          </a:effectRef>
+          <a:fontRef idx="minor">
+            <a:schemeClr val="lt1"/>
+          </a:fontRef>
+        </p:style>
+        <p:txBody>
+          <a:bodyPr lIns="36576" tIns="18288" rIns="36576" bIns="18288" rtlCol="0" anchor="ctr"/>
+          <a:lstStyle/>
+          <a:p>
+            <a:pPr algn="ctr"/>
+            <a:r>
+              <a:rPr lang="en-US" sz="1000" b="1" dirty="0"/>
+              <a:t>Phase B</a:t>
+            </a:r>
+            <a:endParaRPr lang="en-SG" sz="1000" b="1" dirty="0"/>
+          </a:p>
+        </p:txBody>
+      </p:sp>
+      <p:sp>
+        <p:nvSpPr>
+          <p:cNvPr id="19" name="phase C"/>
+          <p:cNvSpPr/>
+          <p:nvPr/>
+        </p:nvSpPr>
+        <p:spPr>
+          <a:xfrm>
+            <a:off x="2481072" y="609600"/>
+            <a:ext cx="871728" cy="396240"/>
+          </a:xfrm>
+          <a:prstGeom prst="rect">
+            <a:avLst/>
+          </a:prstGeom>
+          <a:solidFill>
+            <a:schemeClr val="tx2">
+              <a:lumMod val="60000"/>
+              <a:lumOff val="40000"/>
+            </a:schemeClr>
+          </a:solidFill>
+          <a:ln>
+            <a:noFill/>
+          </a:ln>
+        </p:spPr>
+        <p:style>
+          <a:lnRef idx="2">
+            <a:schemeClr val="accent5">
+              <a:shade val="50000"/>
+            </a:schemeClr>
+          </a:lnRef>
+          <a:fillRef idx="1">
+            <a:schemeClr val="accent5"/>
+          </a:fillRef>
+          <a:effectRef idx="0">
+            <a:schemeClr val="accent5"/>
+          </a:effectRef>
+          <a:fontRef idx="minor">
+            <a:schemeClr val="lt1"/>
+          </a:fontRef>
+        </p:style>
+        <p:txBody>
+          <a:bodyPr lIns="36576" tIns="18288" rIns="36576" bIns="18288" rtlCol="0" anchor="ctr"/>
+          <a:lstStyle/>
+          <a:p>
+            <a:pPr algn="ctr"/>
+            <a:r>
+              <a:rPr lang="en-US" sz="1000" b="1" dirty="0"/>
+              <a:t>Phase C</a:t>
+            </a:r>
+            <a:endParaRPr lang="en-SG" sz="1000" b="1" dirty="0"/>
+          </a:p>
+        </p:txBody>
+      </p:sp>
+      <p:sp>
+        <p:nvSpPr>
+          <p:cNvPr id="20" name="phase B"/>
+          <p:cNvSpPr/>
+          <p:nvPr/>
+        </p:nvSpPr>
+        <p:spPr>
+          <a:xfrm>
+            <a:off x="457200" y="609600"/>
+            <a:ext cx="871728" cy="396240"/>
+          </a:xfrm>
+          <a:prstGeom prst="rect">
+            <a:avLst/>
+          </a:prstGeom>
+          <a:solidFill>
+            <a:schemeClr val="tx2">
+              <a:lumMod val="60000"/>
+              <a:lumOff val="40000"/>
+            </a:schemeClr>
+          </a:solidFill>
+          <a:ln>
+            <a:noFill/>
+          </a:ln>
+        </p:spPr>
+        <p:style>
+          <a:lnRef idx="2">
+            <a:schemeClr val="accent5">
+              <a:shade val="50000"/>
+            </a:schemeClr>
+          </a:lnRef>
+          <a:fillRef idx="1">
+            <a:schemeClr val="accent5"/>
+          </a:fillRef>
+          <a:effectRef idx="0">
+            <a:schemeClr val="accent5"/>
+          </a:effectRef>
+          <a:fontRef idx="minor">
+            <a:schemeClr val="lt1"/>
+          </a:fontRef>
+        </p:style>
+        <p:txBody>
+          <a:bodyPr lIns="36576" tIns="18288" rIns="36576" bIns="18288" rtlCol="0" anchor="ctr"/>
+          <a:lstStyle/>
+          <a:p>
+            <a:pPr algn="ctr"/>
+            <a:r>
+              <a:rPr lang="en-US" sz="1000" b="1" dirty="0"/>
+              <a:t>Phase </a:t>
+            </a:r>
+            <a:r>
+              <a:rPr lang="en-US" sz="1000" b="1" dirty="0" smtClean="0"/>
+              <a:t>A</a:t>
+            </a:r>
+            <a:endParaRPr lang="en-SG" sz="1000" b="1" dirty="0"/>
+          </a:p>
+        </p:txBody>
+      </p:sp>
+      <p:sp>
+        <p:nvSpPr>
+          <p:cNvPr id="7" name="phase A"/>
+          <p:cNvSpPr/>
+          <p:nvPr/>
+        </p:nvSpPr>
+        <p:spPr>
+          <a:xfrm>
+            <a:off x="274320" y="1645920"/>
+            <a:ext cx="2737104" cy="640080"/>
+          </a:xfrm>
+          <a:prstGeom prst="rect">
+            <a:avLst/>
+          </a:prstGeom>
+          <a:solidFill>
+            <a:schemeClr val="tx2">
+              <a:lumMod val="60000"/>
+              <a:lumOff val="40000"/>
+            </a:schemeClr>
+          </a:solidFill>
+          <a:ln>
+            <a:solidFill>
+              <a:schemeClr val="tx2">
+                <a:lumMod val="60000"/>
+                <a:lumOff val="40000"/>
+              </a:schemeClr>
+            </a:solidFill>
+          </a:ln>
+        </p:spPr>
+        <p:style>
+          <a:lnRef idx="2">
+            <a:schemeClr val="accent4">
+              <a:shade val="50000"/>
+            </a:schemeClr>
+          </a:lnRef>
+          <a:fillRef idx="1">
+            <a:schemeClr val="accent4"/>
+          </a:fillRef>
+          <a:effectRef idx="0">
+            <a:schemeClr val="accent4"/>
+          </a:effectRef>
+          <a:fontRef idx="minor">
+            <a:schemeClr val="lt1"/>
+          </a:fontRef>
+        </p:style>
+        <p:txBody>
+          <a:bodyPr lIns="36576" tIns="18288" rIns="36576" bIns="18288" rtlCol="0" anchor="ctr"/>
+          <a:lstStyle/>
+          <a:p>
+            <a:pPr algn="ctr"/>
+            <a:endParaRPr lang="en-SG" sz="1000" b="1" dirty="0">
+              <a:solidFill>
+                <a:srgbClr val="0070C0"/>
+              </a:solidFill>
+            </a:endParaRPr>
+          </a:p>
+        </p:txBody>
+      </p:sp>
+      <p:sp>
+        <p:nvSpPr>
+          <p:cNvPr id="11" name="spotlight"/>
+          <p:cNvSpPr/>
+          <p:nvPr/>
+        </p:nvSpPr>
+        <p:spPr>
+          <a:xfrm>
+            <a:off x="2094345" y="1729322"/>
+            <a:ext cx="872599" cy="487680"/>
+          </a:xfrm>
+          <a:custGeom>
+            <a:avLst/>
+            <a:gdLst/>
+            <a:ahLst/>
+            <a:cxnLst/>
+            <a:rect l="l" t="t" r="r" b="b"/>
+            <a:pathLst>
+              <a:path w="2181497" h="1219200">
+                <a:moveTo>
+                  <a:pt x="0" y="0"/>
+                </a:moveTo>
+                <a:lnTo>
+                  <a:pt x="2181497" y="0"/>
+                </a:lnTo>
+                <a:lnTo>
+                  <a:pt x="2181497" y="1219200"/>
+                </a:lnTo>
+                <a:lnTo>
+                  <a:pt x="0" y="1219200"/>
+                </a:lnTo>
+                <a:lnTo>
+                  <a:pt x="609600" y="609600"/>
+                </a:lnTo>
+                <a:close/>
+              </a:path>
+            </a:pathLst>
+          </a:custGeom>
+          <a:solidFill>
+            <a:schemeClr val="bg1"/>
+          </a:solidFill>
+          <a:ln>
+            <a:solidFill>
+              <a:schemeClr val="tx2">
+                <a:lumMod val="60000"/>
+                <a:lumOff val="40000"/>
+              </a:schemeClr>
+            </a:solidFill>
+          </a:ln>
+        </p:spPr>
+        <p:style>
+          <a:lnRef idx="2">
+            <a:schemeClr val="accent1">
+              <a:shade val="50000"/>
+            </a:schemeClr>
+          </a:lnRef>
+          <a:fillRef idx="1">
+            <a:schemeClr val="accent1"/>
+          </a:fillRef>
+          <a:effectRef idx="0">
+            <a:schemeClr val="accent1"/>
+          </a:effectRef>
+          <a:fontRef idx="minor">
+            <a:schemeClr val="lt1"/>
+          </a:fontRef>
+        </p:style>
+        <p:txBody>
+          <a:bodyPr lIns="36576" tIns="18288" rIns="36576" bIns="18288" rtlCol="0" anchor="ctr"/>
+          <a:lstStyle/>
+          <a:p>
+            <a:pPr algn="ctr"/>
+            <a:r>
+              <a:rPr lang="en-US" sz="1000" b="1" dirty="0">
+                <a:solidFill>
+                  <a:srgbClr val="0070C0"/>
+                </a:solidFill>
+              </a:rPr>
+              <a:t>    Step 3</a:t>
+            </a:r>
+            <a:endParaRPr lang="en-SG" sz="1000" b="1" dirty="0">
+              <a:solidFill>
+                <a:srgbClr val="0070C0"/>
+              </a:solidFill>
+            </a:endParaRPr>
           </a:p>
         </p:txBody>
       </p:sp>
@@ -5342,64 +5551,7 @@
       </p:sp>
       <p:sp>
         <p:nvSpPr>
-          <p:cNvPr id="13" name="phase B"/>
-          <p:cNvSpPr/>
-          <p:nvPr/>
-        </p:nvSpPr>
-        <p:spPr>
-          <a:xfrm>
-            <a:off x="457200" y="609600"/>
-            <a:ext cx="871728" cy="396240"/>
-          </a:xfrm>
-          <a:prstGeom prst="rect">
-            <a:avLst/>
-          </a:prstGeom>
-          <a:solidFill>
-            <a:schemeClr val="tx2">
-              <a:lumMod val="60000"/>
-              <a:lumOff val="40000"/>
-            </a:schemeClr>
-          </a:solidFill>
-          <a:ln>
-            <a:noFill/>
-          </a:ln>
-        </p:spPr>
-        <p:style>
-          <a:lnRef idx="2">
-            <a:schemeClr val="accent5">
-              <a:shade val="50000"/>
-            </a:schemeClr>
-          </a:lnRef>
-          <a:fillRef idx="1">
-            <a:schemeClr val="accent5"/>
-          </a:fillRef>
-          <a:effectRef idx="0">
-            <a:schemeClr val="accent5"/>
-          </a:effectRef>
-          <a:fontRef idx="minor">
-            <a:schemeClr val="lt1"/>
-          </a:fontRef>
-        </p:style>
-        <p:txBody>
-          <a:bodyPr lIns="36576" tIns="18288" rIns="36576" bIns="18288" rtlCol="0" anchor="ctr"/>
-          <a:lstStyle/>
-          <a:p>
-            <a:pPr algn="ctr"/>
-            <a:r>
-              <a:rPr lang="en-US" sz="1000" b="1" dirty="0"/>
-              <a:t>Phase </a:t>
-            </a:r>
-            <a:r>
-              <a:rPr lang="en-US" sz="1000" b="1" dirty="0" smtClean="0"/>
-              <a:t>A</a:t>
-            </a:r>
-            <a:endParaRPr lang="en-SG" sz="1000" b="1" dirty="0"/>
-          </a:p>
-        </p:txBody>
-      </p:sp>
-      <p:sp>
-        <p:nvSpPr>
-          <p:cNvPr id="16" name="SpotlightShape2" hidden="1"/>
+          <p:cNvPr id="14" name="SpotlightShape2" hidden="1"/>
           <p:cNvSpPr/>
           <p:nvPr/>
         </p:nvSpPr>
@@ -5550,7 +5702,7 @@
       </p:sp>
       <p:pic>
         <p:nvPicPr>
-          <p:cNvPr id="2051" name="SpotlightShape1"/>
+          <p:cNvPr id="1026" name="SpotlightShape1"/>
           <p:cNvPicPr>
             <a:picLocks noChangeAspect="1" noChangeArrowheads="1"/>
           </p:cNvPicPr>
@@ -5630,13 +5782,13 @@
   <p:clrMapOvr>
     <a:masterClrMapping/>
   </p:clrMapOvr>
-  <mc:AlternateContent xmlns:mc="http://schemas.openxmlformats.org/markup-compatibility/2006">
-    <mc:Choice xmlns:p14="http://schemas.microsoft.com/office/powerpoint/2010/main" Requires="p14">
+  <mc:AlternateContent xmlns:mc="http://schemas.openxmlformats.org/markup-compatibility/2006" xmlns:p14="http://schemas.microsoft.com/office/powerpoint/2010/main">
+    <mc:Choice Requires="p14">
       <p:transition spd="med" p14:dur="700" advTm="2000">
         <p:fade/>
       </p:transition>
     </mc:Choice>
-    <mc:Fallback>
+    <mc:Fallback xmlns="">
       <p:transition spd="med" advTm="2000">
         <p:fade/>
       </p:transition>

--- a/doc/Spotlight gif.pptx
+++ b/doc/Spotlight gif.pptx
@@ -6,8 +6,8 @@
   </p:sldMasterIdLst>
   <p:sldIdLst>
     <p:sldId id="258" r:id="rId2"/>
-    <p:sldId id="264" r:id="rId3"/>
-    <p:sldId id="263" r:id="rId4"/>
+    <p:sldId id="265" r:id="rId3"/>
+    <p:sldId id="267" r:id="rId4"/>
   </p:sldIdLst>
   <p:sldSz cx="3657600" cy="2743200"/>
   <p:notesSz cx="6858000" cy="9144000"/>
@@ -290,7 +290,7 @@
           <a:p>
             <a:fld id="{1C243D36-5217-48BF-A097-7AA0FC8B35E5}" type="datetimeFigureOut">
               <a:rPr lang="en-US" smtClean="0"/>
-              <a:t>12/23/2013</a:t>
+              <a:t>12/27/2013</a:t>
             </a:fld>
             <a:endParaRPr lang="en-US"/>
           </a:p>
@@ -460,7 +460,7 @@
           <a:p>
             <a:fld id="{1C243D36-5217-48BF-A097-7AA0FC8B35E5}" type="datetimeFigureOut">
               <a:rPr lang="en-US" smtClean="0"/>
-              <a:t>12/23/2013</a:t>
+              <a:t>12/27/2013</a:t>
             </a:fld>
             <a:endParaRPr lang="en-US"/>
           </a:p>
@@ -640,7 +640,7 @@
           <a:p>
             <a:fld id="{1C243D36-5217-48BF-A097-7AA0FC8B35E5}" type="datetimeFigureOut">
               <a:rPr lang="en-US" smtClean="0"/>
-              <a:t>12/23/2013</a:t>
+              <a:t>12/27/2013</a:t>
             </a:fld>
             <a:endParaRPr lang="en-US"/>
           </a:p>
@@ -810,7 +810,7 @@
           <a:p>
             <a:fld id="{1C243D36-5217-48BF-A097-7AA0FC8B35E5}" type="datetimeFigureOut">
               <a:rPr lang="en-US" smtClean="0"/>
-              <a:t>12/23/2013</a:t>
+              <a:t>12/27/2013</a:t>
             </a:fld>
             <a:endParaRPr lang="en-US"/>
           </a:p>
@@ -1063,7 +1063,7 @@
           <a:p>
             <a:fld id="{1C243D36-5217-48BF-A097-7AA0FC8B35E5}" type="datetimeFigureOut">
               <a:rPr lang="en-US" smtClean="0"/>
-              <a:t>12/23/2013</a:t>
+              <a:t>12/27/2013</a:t>
             </a:fld>
             <a:endParaRPr lang="en-US"/>
           </a:p>
@@ -1351,7 +1351,7 @@
           <a:p>
             <a:fld id="{1C243D36-5217-48BF-A097-7AA0FC8B35E5}" type="datetimeFigureOut">
               <a:rPr lang="en-US" smtClean="0"/>
-              <a:t>12/23/2013</a:t>
+              <a:t>12/27/2013</a:t>
             </a:fld>
             <a:endParaRPr lang="en-US"/>
           </a:p>
@@ -1778,7 +1778,7 @@
           <a:p>
             <a:fld id="{1C243D36-5217-48BF-A097-7AA0FC8B35E5}" type="datetimeFigureOut">
               <a:rPr lang="en-US" smtClean="0"/>
-              <a:t>12/23/2013</a:t>
+              <a:t>12/27/2013</a:t>
             </a:fld>
             <a:endParaRPr lang="en-US"/>
           </a:p>
@@ -1896,7 +1896,7 @@
           <a:p>
             <a:fld id="{1C243D36-5217-48BF-A097-7AA0FC8B35E5}" type="datetimeFigureOut">
               <a:rPr lang="en-US" smtClean="0"/>
-              <a:t>12/23/2013</a:t>
+              <a:t>12/27/2013</a:t>
             </a:fld>
             <a:endParaRPr lang="en-US"/>
           </a:p>
@@ -1991,7 +1991,7 @@
           <a:p>
             <a:fld id="{1C243D36-5217-48BF-A097-7AA0FC8B35E5}" type="datetimeFigureOut">
               <a:rPr lang="en-US" smtClean="0"/>
-              <a:t>12/23/2013</a:t>
+              <a:t>12/27/2013</a:t>
             </a:fld>
             <a:endParaRPr lang="en-US"/>
           </a:p>
@@ -2268,7 +2268,7 @@
           <a:p>
             <a:fld id="{1C243D36-5217-48BF-A097-7AA0FC8B35E5}" type="datetimeFigureOut">
               <a:rPr lang="en-US" smtClean="0"/>
-              <a:t>12/23/2013</a:t>
+              <a:t>12/27/2013</a:t>
             </a:fld>
             <a:endParaRPr lang="en-US"/>
           </a:p>
@@ -2521,7 +2521,7 @@
           <a:p>
             <a:fld id="{1C243D36-5217-48BF-A097-7AA0FC8B35E5}" type="datetimeFigureOut">
               <a:rPr lang="en-US" smtClean="0"/>
-              <a:t>12/23/2013</a:t>
+              <a:t>12/27/2013</a:t>
             </a:fld>
             <a:endParaRPr lang="en-US"/>
           </a:p>
@@ -2737,7 +2737,7 @@
           <a:p>
             <a:fld id="{1C243D36-5217-48BF-A097-7AA0FC8B35E5}" type="datetimeFigureOut">
               <a:rPr lang="en-US" smtClean="0"/>
-              <a:t>12/23/2013</a:t>
+              <a:t>12/27/2013</a:t>
             </a:fld>
             <a:endParaRPr lang="en-US"/>
           </a:p>
@@ -3182,16 +3182,14 @@
             <a:avLst/>
           </a:prstGeom>
           <a:solidFill>
-            <a:schemeClr val="tx2">
-              <a:lumMod val="60000"/>
-              <a:lumOff val="40000"/>
+            <a:schemeClr val="bg1">
+              <a:lumMod val="75000"/>
             </a:schemeClr>
           </a:solidFill>
           <a:ln>
             <a:solidFill>
-              <a:schemeClr val="tx2">
-                <a:lumMod val="60000"/>
-                <a:lumOff val="40000"/>
+              <a:schemeClr val="bg1">
+                <a:lumMod val="75000"/>
               </a:schemeClr>
             </a:solidFill>
           </a:ln>
@@ -3219,7 +3217,9 @@
             <a:pPr algn="ctr"/>
             <a:endParaRPr lang="en-SG" sz="1000" b="1" dirty="0">
               <a:solidFill>
-                <a:srgbClr val="0070C0"/>
+                <a:schemeClr val="bg1">
+                  <a:lumMod val="75000"/>
+                </a:schemeClr>
               </a:solidFill>
             </a:endParaRPr>
           </a:p>
@@ -3268,9 +3268,8 @@
           </a:solidFill>
           <a:ln>
             <a:solidFill>
-              <a:schemeClr val="tx2">
-                <a:lumMod val="60000"/>
-                <a:lumOff val="40000"/>
+              <a:schemeClr val="bg1">
+                <a:lumMod val="75000"/>
               </a:schemeClr>
             </a:solidFill>
           </a:ln>
@@ -3299,14 +3298,18 @@
             <a:r>
               <a:rPr lang="en-US" sz="1000" b="1" dirty="0">
                 <a:solidFill>
-                  <a:srgbClr val="0070C0"/>
+                  <a:schemeClr val="bg1">
+                    <a:lumMod val="75000"/>
+                  </a:schemeClr>
                 </a:solidFill>
               </a:rPr>
               <a:t>    Step 3</a:t>
             </a:r>
             <a:endParaRPr lang="en-SG" sz="1000" b="1" dirty="0">
               <a:solidFill>
-                <a:srgbClr val="0070C0"/>
+                <a:schemeClr val="bg1">
+                  <a:lumMod val="75000"/>
+                </a:schemeClr>
               </a:solidFill>
             </a:endParaRPr>
           </a:p>
@@ -3430,7 +3433,9 @@
           <a:gradFill flip="none" rotWithShape="1">
             <a:gsLst>
               <a:gs pos="0">
-                <a:srgbClr val="0070C0"/>
+                <a:schemeClr val="bg1">
+                  <a:lumMod val="85000"/>
+                </a:schemeClr>
               </a:gs>
               <a:gs pos="100000">
                 <a:schemeClr val="bg1"/>
@@ -3489,9 +3494,8 @@
             <a:avLst/>
           </a:prstGeom>
           <a:solidFill>
-            <a:schemeClr val="tx2">
-              <a:lumMod val="60000"/>
-              <a:lumOff val="40000"/>
+            <a:schemeClr val="bg1">
+              <a:lumMod val="75000"/>
             </a:schemeClr>
           </a:solidFill>
           <a:ln>
@@ -3542,9 +3546,8 @@
             <a:avLst/>
           </a:prstGeom>
           <a:solidFill>
-            <a:schemeClr val="tx2">
-              <a:lumMod val="60000"/>
-              <a:lumOff val="40000"/>
+            <a:schemeClr val="bg1">
+              <a:lumMod val="75000"/>
             </a:schemeClr>
           </a:solidFill>
           <a:ln>
@@ -3626,9 +3629,8 @@
           </a:solidFill>
           <a:ln>
             <a:solidFill>
-              <a:schemeClr val="tx2">
-                <a:lumMod val="60000"/>
-                <a:lumOff val="40000"/>
+              <a:schemeClr val="bg1">
+                <a:lumMod val="75000"/>
               </a:schemeClr>
             </a:solidFill>
           </a:ln>
@@ -3657,14 +3659,18 @@
             <a:r>
               <a:rPr lang="en-US" sz="1000" b="1" dirty="0">
                 <a:solidFill>
-                  <a:srgbClr val="0070C0"/>
+                  <a:schemeClr val="bg1">
+                    <a:lumMod val="75000"/>
+                  </a:schemeClr>
                 </a:solidFill>
               </a:rPr>
               <a:t>Step 2</a:t>
             </a:r>
             <a:endParaRPr lang="en-SG" sz="1000" b="1" dirty="0">
               <a:solidFill>
-                <a:srgbClr val="0070C0"/>
+                <a:schemeClr val="bg1">
+                  <a:lumMod val="75000"/>
+                </a:schemeClr>
               </a:solidFill>
             </a:endParaRPr>
           </a:p>
@@ -3689,9 +3695,8 @@
           </a:solidFill>
           <a:ln>
             <a:solidFill>
-              <a:schemeClr val="tx2">
-                <a:lumMod val="60000"/>
-                <a:lumOff val="40000"/>
+              <a:schemeClr val="bg1">
+                <a:lumMod val="75000"/>
               </a:schemeClr>
             </a:solidFill>
           </a:ln>
@@ -3720,14 +3725,18 @@
             <a:r>
               <a:rPr lang="en-US" sz="1000" b="1" dirty="0">
                 <a:solidFill>
-                  <a:srgbClr val="0070C0"/>
+                  <a:schemeClr val="bg1">
+                    <a:lumMod val="75000"/>
+                  </a:schemeClr>
                 </a:solidFill>
               </a:rPr>
               <a:t>Step 1</a:t>
             </a:r>
             <a:endParaRPr lang="en-SG" sz="1000" b="1" dirty="0">
               <a:solidFill>
-                <a:srgbClr val="0070C0"/>
+                <a:schemeClr val="bg1">
+                  <a:lumMod val="75000"/>
+                </a:schemeClr>
               </a:solidFill>
             </a:endParaRPr>
           </a:p>
@@ -3748,9 +3757,8 @@
             <a:avLst/>
           </a:prstGeom>
           <a:solidFill>
-            <a:schemeClr val="tx2">
-              <a:lumMod val="60000"/>
-              <a:lumOff val="40000"/>
+            <a:schemeClr val="bg1">
+              <a:lumMod val="75000"/>
             </a:schemeClr>
           </a:solidFill>
           <a:ln>
@@ -3936,9 +3944,7 @@
           <a:noFill/>
           <a:ln>
             <a:solidFill>
-              <a:schemeClr val="accent6">
-                <a:lumMod val="75000"/>
-              </a:schemeClr>
+              <a:srgbClr val="0070C0"/>
             </a:solidFill>
           </a:ln>
         </p:spPr>
@@ -4031,7 +4037,7 @@
                                     </p:set>
                                     <p:animEffect transition="in" filter="wheel(1)">
                                       <p:cBhvr>
-                                        <p:cTn id="7" dur="2000"/>
+                                        <p:cTn id="7" dur="1000"/>
                                         <p:tgtEl>
                                           <p:spTgt spid="2"/>
                                         </p:tgtEl>
@@ -4106,11 +4112,15 @@
             <a:avLst/>
           </a:prstGeom>
           <a:solidFill>
-            <a:srgbClr val="0070C0"/>
+            <a:schemeClr val="bg1">
+              <a:lumMod val="75000"/>
+            </a:schemeClr>
           </a:solidFill>
           <a:ln>
             <a:solidFill>
-              <a:schemeClr val="bg1"/>
+              <a:schemeClr val="bg1">
+                <a:lumMod val="75000"/>
+              </a:schemeClr>
             </a:solidFill>
           </a:ln>
         </p:spPr>
@@ -4137,7 +4147,9 @@
             <a:pPr algn="ctr"/>
             <a:endParaRPr lang="en-SG" sz="1000" b="1" dirty="0">
               <a:solidFill>
-                <a:srgbClr val="0070C0"/>
+                <a:schemeClr val="bg1">
+                  <a:lumMod val="75000"/>
+                </a:schemeClr>
               </a:solidFill>
             </a:endParaRPr>
           </a:p>
@@ -4186,7 +4198,9 @@
           </a:solidFill>
           <a:ln>
             <a:solidFill>
-              <a:srgbClr val="0070C0"/>
+              <a:schemeClr val="bg1">
+                <a:lumMod val="75000"/>
+              </a:schemeClr>
             </a:solidFill>
           </a:ln>
         </p:spPr>
@@ -4214,14 +4228,18 @@
             <a:r>
               <a:rPr lang="en-US" sz="1000" b="1" dirty="0">
                 <a:solidFill>
-                  <a:srgbClr val="0070C0"/>
+                  <a:schemeClr val="bg1">
+                    <a:lumMod val="75000"/>
+                  </a:schemeClr>
                 </a:solidFill>
               </a:rPr>
               <a:t>    Step 3</a:t>
             </a:r>
             <a:endParaRPr lang="en-SG" sz="1000" b="1" dirty="0">
               <a:solidFill>
-                <a:srgbClr val="0070C0"/>
+                <a:schemeClr val="bg1">
+                  <a:lumMod val="75000"/>
+                </a:schemeClr>
               </a:solidFill>
             </a:endParaRPr>
           </a:p>
@@ -4229,154 +4247,7 @@
       </p:sp>
       <p:sp>
         <p:nvSpPr>
-          <p:cNvPr id="10" name="Pentagon 9"/>
-          <p:cNvSpPr/>
-          <p:nvPr/>
-        </p:nvSpPr>
-        <p:spPr>
-          <a:xfrm>
-            <a:off x="1176662" y="1725302"/>
-            <a:ext cx="1127760" cy="487680"/>
-          </a:xfrm>
-          <a:custGeom>
-            <a:avLst/>
-            <a:gdLst/>
-            <a:ahLst/>
-            <a:cxnLst/>
-            <a:rect l="l" t="t" r="r" b="b"/>
-            <a:pathLst>
-              <a:path w="2819400" h="1219200">
-                <a:moveTo>
-                  <a:pt x="0" y="0"/>
-                </a:moveTo>
-                <a:lnTo>
-                  <a:pt x="2209800" y="0"/>
-                </a:lnTo>
-                <a:lnTo>
-                  <a:pt x="2819400" y="609600"/>
-                </a:lnTo>
-                <a:lnTo>
-                  <a:pt x="2209800" y="1219200"/>
-                </a:lnTo>
-                <a:lnTo>
-                  <a:pt x="0" y="1219200"/>
-                </a:lnTo>
-                <a:lnTo>
-                  <a:pt x="609600" y="609600"/>
-                </a:lnTo>
-                <a:close/>
-              </a:path>
-            </a:pathLst>
-          </a:custGeom>
-          <a:solidFill>
-            <a:schemeClr val="bg1"/>
-          </a:solidFill>
-          <a:ln>
-            <a:solidFill>
-              <a:srgbClr val="0070C0"/>
-            </a:solidFill>
-          </a:ln>
-        </p:spPr>
-        <p:style>
-          <a:lnRef idx="2">
-            <a:schemeClr val="accent1">
-              <a:shade val="50000"/>
-            </a:schemeClr>
-          </a:lnRef>
-          <a:fillRef idx="1">
-            <a:schemeClr val="accent1"/>
-          </a:fillRef>
-          <a:effectRef idx="0">
-            <a:schemeClr val="accent1"/>
-          </a:effectRef>
-          <a:fontRef idx="minor">
-            <a:schemeClr val="lt1"/>
-          </a:fontRef>
-        </p:style>
-        <p:txBody>
-          <a:bodyPr lIns="36576" tIns="18288" rIns="36576" bIns="18288" rtlCol="0" anchor="ctr"/>
-          <a:lstStyle/>
-          <a:p>
-            <a:pPr algn="ctr"/>
-            <a:r>
-              <a:rPr lang="en-US" sz="1000" b="1" dirty="0">
-                <a:solidFill>
-                  <a:srgbClr val="0070C0"/>
-                </a:solidFill>
-              </a:rPr>
-              <a:t>Step 2</a:t>
-            </a:r>
-            <a:endParaRPr lang="en-SG" sz="1000" b="1" dirty="0">
-              <a:solidFill>
-                <a:srgbClr val="0070C0"/>
-              </a:solidFill>
-            </a:endParaRPr>
-          </a:p>
-        </p:txBody>
-      </p:sp>
-      <p:sp>
-        <p:nvSpPr>
-          <p:cNvPr id="12" name="Pentagon 11"/>
-          <p:cNvSpPr/>
-          <p:nvPr/>
-        </p:nvSpPr>
-        <p:spPr>
-          <a:xfrm>
-            <a:off x="323222" y="1724633"/>
-            <a:ext cx="1066800" cy="487680"/>
-          </a:xfrm>
-          <a:prstGeom prst="homePlate">
-            <a:avLst/>
-          </a:prstGeom>
-          <a:solidFill>
-            <a:schemeClr val="bg1"/>
-          </a:solidFill>
-          <a:ln>
-            <a:solidFill>
-              <a:srgbClr val="0070C0"/>
-            </a:solidFill>
-          </a:ln>
-        </p:spPr>
-        <p:style>
-          <a:lnRef idx="2">
-            <a:schemeClr val="accent1">
-              <a:shade val="50000"/>
-            </a:schemeClr>
-          </a:lnRef>
-          <a:fillRef idx="1">
-            <a:schemeClr val="accent1"/>
-          </a:fillRef>
-          <a:effectRef idx="0">
-            <a:schemeClr val="accent1"/>
-          </a:effectRef>
-          <a:fontRef idx="minor">
-            <a:schemeClr val="lt1"/>
-          </a:fontRef>
-        </p:style>
-        <p:txBody>
-          <a:bodyPr lIns="36576" tIns="18288" rIns="36576" bIns="18288" rtlCol="0" anchor="ctr"/>
-          <a:lstStyle/>
-          <a:p>
-            <a:pPr algn="ctr"/>
-            <a:r>
-              <a:rPr lang="en-US" sz="1000" b="1" dirty="0">
-                <a:solidFill>
-                  <a:srgbClr val="0070C0"/>
-                </a:solidFill>
-              </a:rPr>
-              <a:t>Step 1</a:t>
-            </a:r>
-            <a:endParaRPr lang="en-SG" sz="1000" b="1" dirty="0">
-              <a:solidFill>
-                <a:srgbClr val="0070C0"/>
-              </a:solidFill>
-            </a:endParaRPr>
-          </a:p>
-        </p:txBody>
-      </p:sp>
-      <p:sp>
-        <p:nvSpPr>
-          <p:cNvPr id="14" name="Freeform 13"/>
+          <p:cNvPr id="18" name="Freeform 17"/>
           <p:cNvSpPr/>
           <p:nvPr/>
         </p:nvSpPr>
@@ -4492,7 +4363,9 @@
           <a:gradFill flip="none" rotWithShape="1">
             <a:gsLst>
               <a:gs pos="0">
-                <a:srgbClr val="0070C0"/>
+                <a:schemeClr val="bg1">
+                  <a:lumMod val="85000"/>
+                </a:schemeClr>
               </a:gs>
               <a:gs pos="100000">
                 <a:schemeClr val="bg1"/>
@@ -4538,7 +4411,7 @@
       </p:sp>
       <p:sp>
         <p:nvSpPr>
-          <p:cNvPr id="15" name="phase B"/>
+          <p:cNvPr id="21" name="phase B"/>
           <p:cNvSpPr/>
           <p:nvPr/>
         </p:nvSpPr>
@@ -4551,9 +4424,8 @@
             <a:avLst/>
           </a:prstGeom>
           <a:solidFill>
-            <a:schemeClr val="tx2">
-              <a:lumMod val="60000"/>
-              <a:lumOff val="40000"/>
+            <a:schemeClr val="bg1">
+              <a:lumMod val="75000"/>
             </a:schemeClr>
           </a:solidFill>
           <a:ln>
@@ -4591,7 +4463,7 @@
       </p:sp>
       <p:sp>
         <p:nvSpPr>
-          <p:cNvPr id="16" name="phase C"/>
+          <p:cNvPr id="22" name="phase C"/>
           <p:cNvSpPr/>
           <p:nvPr/>
         </p:nvSpPr>
@@ -4604,9 +4476,8 @@
             <a:avLst/>
           </a:prstGeom>
           <a:solidFill>
-            <a:schemeClr val="tx2">
-              <a:lumMod val="60000"/>
-              <a:lumOff val="40000"/>
+            <a:schemeClr val="bg1">
+              <a:lumMod val="75000"/>
             </a:schemeClr>
           </a:solidFill>
           <a:ln>
@@ -4644,7 +4515,166 @@
       </p:sp>
       <p:sp>
         <p:nvSpPr>
-          <p:cNvPr id="17" name="phase B"/>
+          <p:cNvPr id="10" name="Pentagon 9"/>
+          <p:cNvSpPr/>
+          <p:nvPr/>
+        </p:nvSpPr>
+        <p:spPr>
+          <a:xfrm>
+            <a:off x="1176662" y="1725302"/>
+            <a:ext cx="1127760" cy="487680"/>
+          </a:xfrm>
+          <a:custGeom>
+            <a:avLst/>
+            <a:gdLst/>
+            <a:ahLst/>
+            <a:cxnLst/>
+            <a:rect l="l" t="t" r="r" b="b"/>
+            <a:pathLst>
+              <a:path w="2819400" h="1219200">
+                <a:moveTo>
+                  <a:pt x="0" y="0"/>
+                </a:moveTo>
+                <a:lnTo>
+                  <a:pt x="2209800" y="0"/>
+                </a:lnTo>
+                <a:lnTo>
+                  <a:pt x="2819400" y="609600"/>
+                </a:lnTo>
+                <a:lnTo>
+                  <a:pt x="2209800" y="1219200"/>
+                </a:lnTo>
+                <a:lnTo>
+                  <a:pt x="0" y="1219200"/>
+                </a:lnTo>
+                <a:lnTo>
+                  <a:pt x="609600" y="609600"/>
+                </a:lnTo>
+                <a:close/>
+              </a:path>
+            </a:pathLst>
+          </a:custGeom>
+          <a:solidFill>
+            <a:schemeClr val="bg1"/>
+          </a:solidFill>
+          <a:ln>
+            <a:solidFill>
+              <a:schemeClr val="bg1">
+                <a:lumMod val="75000"/>
+              </a:schemeClr>
+            </a:solidFill>
+          </a:ln>
+        </p:spPr>
+        <p:style>
+          <a:lnRef idx="2">
+            <a:schemeClr val="accent1">
+              <a:shade val="50000"/>
+            </a:schemeClr>
+          </a:lnRef>
+          <a:fillRef idx="1">
+            <a:schemeClr val="accent1"/>
+          </a:fillRef>
+          <a:effectRef idx="0">
+            <a:schemeClr val="accent1"/>
+          </a:effectRef>
+          <a:fontRef idx="minor">
+            <a:schemeClr val="lt1"/>
+          </a:fontRef>
+        </p:style>
+        <p:txBody>
+          <a:bodyPr lIns="36576" tIns="18288" rIns="36576" bIns="18288" rtlCol="0" anchor="ctr"/>
+          <a:lstStyle/>
+          <a:p>
+            <a:pPr algn="ctr"/>
+            <a:r>
+              <a:rPr lang="en-US" sz="1000" b="1" dirty="0">
+                <a:solidFill>
+                  <a:schemeClr val="bg1">
+                    <a:lumMod val="75000"/>
+                  </a:schemeClr>
+                </a:solidFill>
+              </a:rPr>
+              <a:t>Step 2</a:t>
+            </a:r>
+            <a:endParaRPr lang="en-SG" sz="1000" b="1" dirty="0">
+              <a:solidFill>
+                <a:schemeClr val="bg1">
+                  <a:lumMod val="75000"/>
+                </a:schemeClr>
+              </a:solidFill>
+            </a:endParaRPr>
+          </a:p>
+        </p:txBody>
+      </p:sp>
+      <p:sp>
+        <p:nvSpPr>
+          <p:cNvPr id="12" name="Pentagon 11"/>
+          <p:cNvSpPr/>
+          <p:nvPr/>
+        </p:nvSpPr>
+        <p:spPr>
+          <a:xfrm>
+            <a:off x="323222" y="1724633"/>
+            <a:ext cx="1066800" cy="487680"/>
+          </a:xfrm>
+          <a:prstGeom prst="homePlate">
+            <a:avLst/>
+          </a:prstGeom>
+          <a:solidFill>
+            <a:schemeClr val="bg1"/>
+          </a:solidFill>
+          <a:ln>
+            <a:solidFill>
+              <a:schemeClr val="bg1">
+                <a:lumMod val="75000"/>
+              </a:schemeClr>
+            </a:solidFill>
+          </a:ln>
+        </p:spPr>
+        <p:style>
+          <a:lnRef idx="2">
+            <a:schemeClr val="accent1">
+              <a:shade val="50000"/>
+            </a:schemeClr>
+          </a:lnRef>
+          <a:fillRef idx="1">
+            <a:schemeClr val="accent1"/>
+          </a:fillRef>
+          <a:effectRef idx="0">
+            <a:schemeClr val="accent1"/>
+          </a:effectRef>
+          <a:fontRef idx="minor">
+            <a:schemeClr val="lt1"/>
+          </a:fontRef>
+        </p:style>
+        <p:txBody>
+          <a:bodyPr lIns="36576" tIns="18288" rIns="36576" bIns="18288" rtlCol="0" anchor="ctr"/>
+          <a:lstStyle/>
+          <a:p>
+            <a:pPr algn="ctr"/>
+            <a:r>
+              <a:rPr lang="en-US" sz="1000" b="1" dirty="0">
+                <a:solidFill>
+                  <a:schemeClr val="bg1">
+                    <a:lumMod val="75000"/>
+                  </a:schemeClr>
+                </a:solidFill>
+              </a:rPr>
+              <a:t>Step 1</a:t>
+            </a:r>
+            <a:endParaRPr lang="en-SG" sz="1000" b="1" dirty="0">
+              <a:solidFill>
+                <a:schemeClr val="bg1">
+                  <a:lumMod val="75000"/>
+                </a:schemeClr>
+              </a:solidFill>
+            </a:endParaRPr>
+          </a:p>
+        </p:txBody>
+      </p:sp>
+      <p:sp>
+        <p:nvSpPr>
+          <p:cNvPr id="13" name="phase B"/>
           <p:cNvSpPr/>
           <p:nvPr/>
         </p:nvSpPr>
@@ -4657,9 +4687,8 @@
             <a:avLst/>
           </a:prstGeom>
           <a:solidFill>
-            <a:schemeClr val="tx2">
-              <a:lumMod val="60000"/>
-              <a:lumOff val="40000"/>
+            <a:schemeClr val="bg1">
+              <a:lumMod val="75000"/>
             </a:schemeClr>
           </a:solidFill>
           <a:ln>
@@ -4701,7 +4730,7 @@
       </p:sp>
       <p:sp>
         <p:nvSpPr>
-          <p:cNvPr id="19" name="Freeform 18"/>
+          <p:cNvPr id="2" name="Freeform 1"/>
           <p:cNvSpPr/>
           <p:nvPr/>
         </p:nvSpPr>
@@ -4843,16 +4872,14 @@
             </a:pathLst>
           </a:custGeom>
           <a:solidFill>
-            <a:schemeClr val="accent6">
+            <a:schemeClr val="tx2">
               <a:lumMod val="60000"/>
               <a:lumOff val="40000"/>
             </a:schemeClr>
           </a:solidFill>
           <a:ln>
             <a:solidFill>
-              <a:schemeClr val="accent6">
-                <a:lumMod val="75000"/>
-              </a:schemeClr>
+              <a:srgbClr val="0070C0"/>
             </a:solidFill>
           </a:ln>
         </p:spPr>
@@ -4884,7 +4911,7 @@
     </p:spTree>
     <p:extLst>
       <p:ext uri="{BB962C8B-B14F-4D97-AF65-F5344CB8AC3E}">
-        <p14:creationId xmlns:p14="http://schemas.microsoft.com/office/powerpoint/2010/main" val="442442951"/>
+        <p14:creationId xmlns:p14="http://schemas.microsoft.com/office/powerpoint/2010/main" val="1201342779"/>
       </p:ext>
     </p:extLst>
   </p:cSld>
@@ -4911,7 +4938,7 @@
 
 <file path=ppt/slides/slide3.xml><?xml version="1.0" encoding="utf-8"?>
 <p:sld xmlns:a="http://schemas.openxmlformats.org/drawingml/2006/main" xmlns:r="http://schemas.openxmlformats.org/officeDocument/2006/relationships" xmlns:p="http://schemas.openxmlformats.org/presentationml/2006/main">
-  <p:cSld name="PPTLabsSpotlight201312142320582380">
+  <p:cSld name="PPTLabsSpotlight201312271353027398">
     <p:spTree>
       <p:nvGrpSpPr>
         <p:cNvPr id="1" name=""/>
@@ -4928,7 +4955,155 @@
       </p:grpSpPr>
       <p:sp>
         <p:nvSpPr>
-          <p:cNvPr id="15" name="Freeform 14"/>
+          <p:cNvPr id="7" name="phase A"/>
+          <p:cNvSpPr/>
+          <p:nvPr/>
+        </p:nvSpPr>
+        <p:spPr>
+          <a:xfrm>
+            <a:off x="274320" y="1645920"/>
+            <a:ext cx="2737104" cy="640080"/>
+          </a:xfrm>
+          <a:prstGeom prst="rect">
+            <a:avLst/>
+          </a:prstGeom>
+          <a:solidFill>
+            <a:schemeClr val="bg1">
+              <a:lumMod val="75000"/>
+            </a:schemeClr>
+          </a:solidFill>
+          <a:ln>
+            <a:solidFill>
+              <a:schemeClr val="bg1">
+                <a:lumMod val="75000"/>
+              </a:schemeClr>
+            </a:solidFill>
+          </a:ln>
+        </p:spPr>
+        <p:style>
+          <a:lnRef idx="2">
+            <a:schemeClr val="accent4">
+              <a:shade val="50000"/>
+            </a:schemeClr>
+          </a:lnRef>
+          <a:fillRef idx="1">
+            <a:schemeClr val="accent4"/>
+          </a:fillRef>
+          <a:effectRef idx="0">
+            <a:schemeClr val="accent4"/>
+          </a:effectRef>
+          <a:fontRef idx="minor">
+            <a:schemeClr val="lt1"/>
+          </a:fontRef>
+        </p:style>
+        <p:txBody>
+          <a:bodyPr lIns="36576" tIns="18288" rIns="36576" bIns="18288" rtlCol="0" anchor="ctr"/>
+          <a:lstStyle/>
+          <a:p>
+            <a:pPr algn="ctr"/>
+            <a:endParaRPr lang="en-SG" sz="1000" b="1" dirty="0">
+              <a:solidFill>
+                <a:schemeClr val="bg1">
+                  <a:lumMod val="75000"/>
+                </a:schemeClr>
+              </a:solidFill>
+            </a:endParaRPr>
+          </a:p>
+        </p:txBody>
+      </p:sp>
+      <p:sp>
+        <p:nvSpPr>
+          <p:cNvPr id="11" name="spotlight"/>
+          <p:cNvSpPr/>
+          <p:nvPr/>
+        </p:nvSpPr>
+        <p:spPr>
+          <a:xfrm>
+            <a:off x="2094345" y="1729322"/>
+            <a:ext cx="872599" cy="487680"/>
+          </a:xfrm>
+          <a:custGeom>
+            <a:avLst/>
+            <a:gdLst/>
+            <a:ahLst/>
+            <a:cxnLst/>
+            <a:rect l="l" t="t" r="r" b="b"/>
+            <a:pathLst>
+              <a:path w="2181497" h="1219200">
+                <a:moveTo>
+                  <a:pt x="0" y="0"/>
+                </a:moveTo>
+                <a:lnTo>
+                  <a:pt x="2181497" y="0"/>
+                </a:lnTo>
+                <a:lnTo>
+                  <a:pt x="2181497" y="1219200"/>
+                </a:lnTo>
+                <a:lnTo>
+                  <a:pt x="0" y="1219200"/>
+                </a:lnTo>
+                <a:lnTo>
+                  <a:pt x="609600" y="609600"/>
+                </a:lnTo>
+                <a:close/>
+              </a:path>
+            </a:pathLst>
+          </a:custGeom>
+          <a:solidFill>
+            <a:schemeClr val="bg1"/>
+          </a:solidFill>
+          <a:ln>
+            <a:solidFill>
+              <a:schemeClr val="bg1">
+                <a:lumMod val="75000"/>
+              </a:schemeClr>
+            </a:solidFill>
+          </a:ln>
+        </p:spPr>
+        <p:style>
+          <a:lnRef idx="2">
+            <a:schemeClr val="accent1">
+              <a:shade val="50000"/>
+            </a:schemeClr>
+          </a:lnRef>
+          <a:fillRef idx="1">
+            <a:schemeClr val="accent1"/>
+          </a:fillRef>
+          <a:effectRef idx="0">
+            <a:schemeClr val="accent1"/>
+          </a:effectRef>
+          <a:fontRef idx="minor">
+            <a:schemeClr val="lt1"/>
+          </a:fontRef>
+        </p:style>
+        <p:txBody>
+          <a:bodyPr lIns="36576" tIns="18288" rIns="36576" bIns="18288" rtlCol="0" anchor="ctr"/>
+          <a:lstStyle/>
+          <a:p>
+            <a:pPr algn="ctr"/>
+            <a:r>
+              <a:rPr lang="en-US" sz="1000" b="1" dirty="0">
+                <a:solidFill>
+                  <a:schemeClr val="bg1">
+                    <a:lumMod val="75000"/>
+                  </a:schemeClr>
+                </a:solidFill>
+              </a:rPr>
+              <a:t>    Step 3</a:t>
+            </a:r>
+            <a:endParaRPr lang="en-SG" sz="1000" b="1" dirty="0">
+              <a:solidFill>
+                <a:schemeClr val="bg1">
+                  <a:lumMod val="75000"/>
+                </a:schemeClr>
+              </a:solidFill>
+            </a:endParaRPr>
+          </a:p>
+        </p:txBody>
+      </p:sp>
+      <p:sp>
+        <p:nvSpPr>
+          <p:cNvPr id="18" name="Freeform 17"/>
           <p:cNvSpPr/>
           <p:nvPr/>
         </p:nvSpPr>
@@ -5044,7 +5219,9 @@
           <a:gradFill flip="none" rotWithShape="1">
             <a:gsLst>
               <a:gs pos="0">
-                <a:srgbClr val="0070C0"/>
+                <a:schemeClr val="bg1">
+                  <a:lumMod val="85000"/>
+                </a:schemeClr>
               </a:gs>
               <a:gs pos="100000">
                 <a:schemeClr val="bg1"/>
@@ -5090,7 +5267,7 @@
       </p:sp>
       <p:sp>
         <p:nvSpPr>
-          <p:cNvPr id="17" name="phase B"/>
+          <p:cNvPr id="21" name="phase B"/>
           <p:cNvSpPr/>
           <p:nvPr/>
         </p:nvSpPr>
@@ -5103,9 +5280,8 @@
             <a:avLst/>
           </a:prstGeom>
           <a:solidFill>
-            <a:schemeClr val="tx2">
-              <a:lumMod val="60000"/>
-              <a:lumOff val="40000"/>
+            <a:schemeClr val="bg1">
+              <a:lumMod val="75000"/>
             </a:schemeClr>
           </a:solidFill>
           <a:ln>
@@ -5143,7 +5319,7 @@
       </p:sp>
       <p:sp>
         <p:nvSpPr>
-          <p:cNvPr id="19" name="phase C"/>
+          <p:cNvPr id="22" name="phase C"/>
           <p:cNvSpPr/>
           <p:nvPr/>
         </p:nvSpPr>
@@ -5156,9 +5332,8 @@
             <a:avLst/>
           </a:prstGeom>
           <a:solidFill>
-            <a:schemeClr val="tx2">
-              <a:lumMod val="60000"/>
-              <a:lumOff val="40000"/>
+            <a:schemeClr val="bg1">
+              <a:lumMod val="75000"/>
             </a:schemeClr>
           </a:solidFill>
           <a:ln>
@@ -5191,208 +5366,6 @@
               <a:t>Phase C</a:t>
             </a:r>
             <a:endParaRPr lang="en-SG" sz="1000" b="1" dirty="0"/>
-          </a:p>
-        </p:txBody>
-      </p:sp>
-      <p:sp>
-        <p:nvSpPr>
-          <p:cNvPr id="20" name="phase B"/>
-          <p:cNvSpPr/>
-          <p:nvPr/>
-        </p:nvSpPr>
-        <p:spPr>
-          <a:xfrm>
-            <a:off x="457200" y="609600"/>
-            <a:ext cx="871728" cy="396240"/>
-          </a:xfrm>
-          <a:prstGeom prst="rect">
-            <a:avLst/>
-          </a:prstGeom>
-          <a:solidFill>
-            <a:schemeClr val="tx2">
-              <a:lumMod val="60000"/>
-              <a:lumOff val="40000"/>
-            </a:schemeClr>
-          </a:solidFill>
-          <a:ln>
-            <a:noFill/>
-          </a:ln>
-        </p:spPr>
-        <p:style>
-          <a:lnRef idx="2">
-            <a:schemeClr val="accent5">
-              <a:shade val="50000"/>
-            </a:schemeClr>
-          </a:lnRef>
-          <a:fillRef idx="1">
-            <a:schemeClr val="accent5"/>
-          </a:fillRef>
-          <a:effectRef idx="0">
-            <a:schemeClr val="accent5"/>
-          </a:effectRef>
-          <a:fontRef idx="minor">
-            <a:schemeClr val="lt1"/>
-          </a:fontRef>
-        </p:style>
-        <p:txBody>
-          <a:bodyPr lIns="36576" tIns="18288" rIns="36576" bIns="18288" rtlCol="0" anchor="ctr"/>
-          <a:lstStyle/>
-          <a:p>
-            <a:pPr algn="ctr"/>
-            <a:r>
-              <a:rPr lang="en-US" sz="1000" b="1" dirty="0"/>
-              <a:t>Phase </a:t>
-            </a:r>
-            <a:r>
-              <a:rPr lang="en-US" sz="1000" b="1" dirty="0" smtClean="0"/>
-              <a:t>A</a:t>
-            </a:r>
-            <a:endParaRPr lang="en-SG" sz="1000" b="1" dirty="0"/>
-          </a:p>
-        </p:txBody>
-      </p:sp>
-      <p:sp>
-        <p:nvSpPr>
-          <p:cNvPr id="7" name="phase A"/>
-          <p:cNvSpPr/>
-          <p:nvPr/>
-        </p:nvSpPr>
-        <p:spPr>
-          <a:xfrm>
-            <a:off x="274320" y="1645920"/>
-            <a:ext cx="2737104" cy="640080"/>
-          </a:xfrm>
-          <a:prstGeom prst="rect">
-            <a:avLst/>
-          </a:prstGeom>
-          <a:solidFill>
-            <a:schemeClr val="tx2">
-              <a:lumMod val="60000"/>
-              <a:lumOff val="40000"/>
-            </a:schemeClr>
-          </a:solidFill>
-          <a:ln>
-            <a:solidFill>
-              <a:schemeClr val="tx2">
-                <a:lumMod val="60000"/>
-                <a:lumOff val="40000"/>
-              </a:schemeClr>
-            </a:solidFill>
-          </a:ln>
-        </p:spPr>
-        <p:style>
-          <a:lnRef idx="2">
-            <a:schemeClr val="accent4">
-              <a:shade val="50000"/>
-            </a:schemeClr>
-          </a:lnRef>
-          <a:fillRef idx="1">
-            <a:schemeClr val="accent4"/>
-          </a:fillRef>
-          <a:effectRef idx="0">
-            <a:schemeClr val="accent4"/>
-          </a:effectRef>
-          <a:fontRef idx="minor">
-            <a:schemeClr val="lt1"/>
-          </a:fontRef>
-        </p:style>
-        <p:txBody>
-          <a:bodyPr lIns="36576" tIns="18288" rIns="36576" bIns="18288" rtlCol="0" anchor="ctr"/>
-          <a:lstStyle/>
-          <a:p>
-            <a:pPr algn="ctr"/>
-            <a:endParaRPr lang="en-SG" sz="1000" b="1" dirty="0">
-              <a:solidFill>
-                <a:srgbClr val="0070C0"/>
-              </a:solidFill>
-            </a:endParaRPr>
-          </a:p>
-        </p:txBody>
-      </p:sp>
-      <p:sp>
-        <p:nvSpPr>
-          <p:cNvPr id="11" name="spotlight"/>
-          <p:cNvSpPr/>
-          <p:nvPr/>
-        </p:nvSpPr>
-        <p:spPr>
-          <a:xfrm>
-            <a:off x="2094345" y="1729322"/>
-            <a:ext cx="872599" cy="487680"/>
-          </a:xfrm>
-          <a:custGeom>
-            <a:avLst/>
-            <a:gdLst/>
-            <a:ahLst/>
-            <a:cxnLst/>
-            <a:rect l="l" t="t" r="r" b="b"/>
-            <a:pathLst>
-              <a:path w="2181497" h="1219200">
-                <a:moveTo>
-                  <a:pt x="0" y="0"/>
-                </a:moveTo>
-                <a:lnTo>
-                  <a:pt x="2181497" y="0"/>
-                </a:lnTo>
-                <a:lnTo>
-                  <a:pt x="2181497" y="1219200"/>
-                </a:lnTo>
-                <a:lnTo>
-                  <a:pt x="0" y="1219200"/>
-                </a:lnTo>
-                <a:lnTo>
-                  <a:pt x="609600" y="609600"/>
-                </a:lnTo>
-                <a:close/>
-              </a:path>
-            </a:pathLst>
-          </a:custGeom>
-          <a:solidFill>
-            <a:schemeClr val="bg1"/>
-          </a:solidFill>
-          <a:ln>
-            <a:solidFill>
-              <a:schemeClr val="tx2">
-                <a:lumMod val="60000"/>
-                <a:lumOff val="40000"/>
-              </a:schemeClr>
-            </a:solidFill>
-          </a:ln>
-        </p:spPr>
-        <p:style>
-          <a:lnRef idx="2">
-            <a:schemeClr val="accent1">
-              <a:shade val="50000"/>
-            </a:schemeClr>
-          </a:lnRef>
-          <a:fillRef idx="1">
-            <a:schemeClr val="accent1"/>
-          </a:fillRef>
-          <a:effectRef idx="0">
-            <a:schemeClr val="accent1"/>
-          </a:effectRef>
-          <a:fontRef idx="minor">
-            <a:schemeClr val="lt1"/>
-          </a:fontRef>
-        </p:style>
-        <p:txBody>
-          <a:bodyPr lIns="36576" tIns="18288" rIns="36576" bIns="18288" rtlCol="0" anchor="ctr"/>
-          <a:lstStyle/>
-          <a:p>
-            <a:pPr algn="ctr"/>
-            <a:r>
-              <a:rPr lang="en-US" sz="1000" b="1" dirty="0">
-                <a:solidFill>
-                  <a:srgbClr val="0070C0"/>
-                </a:solidFill>
-              </a:rPr>
-              <a:t>    Step 3</a:t>
-            </a:r>
-            <a:endParaRPr lang="en-SG" sz="1000" b="1" dirty="0">
-              <a:solidFill>
-                <a:srgbClr val="0070C0"/>
-              </a:solidFill>
-            </a:endParaRPr>
           </a:p>
         </p:txBody>
       </p:sp>
@@ -5442,9 +5415,8 @@
           </a:solidFill>
           <a:ln>
             <a:solidFill>
-              <a:schemeClr val="tx2">
-                <a:lumMod val="60000"/>
-                <a:lumOff val="40000"/>
+              <a:schemeClr val="bg1">
+                <a:lumMod val="75000"/>
               </a:schemeClr>
             </a:solidFill>
           </a:ln>
@@ -5473,14 +5445,18 @@
             <a:r>
               <a:rPr lang="en-US" sz="1000" b="1" dirty="0">
                 <a:solidFill>
-                  <a:srgbClr val="0070C0"/>
+                  <a:schemeClr val="bg1">
+                    <a:lumMod val="75000"/>
+                  </a:schemeClr>
                 </a:solidFill>
               </a:rPr>
               <a:t>Step 2</a:t>
             </a:r>
             <a:endParaRPr lang="en-SG" sz="1000" b="1" dirty="0">
               <a:solidFill>
-                <a:srgbClr val="0070C0"/>
+                <a:schemeClr val="bg1">
+                  <a:lumMod val="75000"/>
+                </a:schemeClr>
               </a:solidFill>
             </a:endParaRPr>
           </a:p>
@@ -5505,9 +5481,8 @@
           </a:solidFill>
           <a:ln>
             <a:solidFill>
-              <a:schemeClr val="tx2">
-                <a:lumMod val="60000"/>
-                <a:lumOff val="40000"/>
+              <a:schemeClr val="bg1">
+                <a:lumMod val="75000"/>
               </a:schemeClr>
             </a:solidFill>
           </a:ln>
@@ -5536,14 +5511,18 @@
             <a:r>
               <a:rPr lang="en-US" sz="1000" b="1" dirty="0">
                 <a:solidFill>
-                  <a:srgbClr val="0070C0"/>
+                  <a:schemeClr val="bg1">
+                    <a:lumMod val="75000"/>
+                  </a:schemeClr>
                 </a:solidFill>
               </a:rPr>
               <a:t>Step 1</a:t>
             </a:r>
             <a:endParaRPr lang="en-SG" sz="1000" b="1" dirty="0">
               <a:solidFill>
-                <a:srgbClr val="0070C0"/>
+                <a:schemeClr val="bg1">
+                  <a:lumMod val="75000"/>
+                </a:schemeClr>
               </a:solidFill>
             </a:endParaRPr>
           </a:p>
@@ -5551,14 +5530,70 @@
       </p:sp>
       <p:sp>
         <p:nvSpPr>
-          <p:cNvPr id="14" name="SpotlightShape2" hidden="1"/>
+          <p:cNvPr id="13" name="phase B"/>
           <p:cNvSpPr/>
           <p:nvPr/>
         </p:nvSpPr>
         <p:spPr>
           <a:xfrm>
-            <a:off x="246395" y="574922"/>
-            <a:ext cx="2787004" cy="1741193"/>
+            <a:off x="457200" y="609600"/>
+            <a:ext cx="871728" cy="396240"/>
+          </a:xfrm>
+          <a:prstGeom prst="rect">
+            <a:avLst/>
+          </a:prstGeom>
+          <a:solidFill>
+            <a:schemeClr val="bg1">
+              <a:lumMod val="75000"/>
+            </a:schemeClr>
+          </a:solidFill>
+          <a:ln>
+            <a:noFill/>
+          </a:ln>
+        </p:spPr>
+        <p:style>
+          <a:lnRef idx="2">
+            <a:schemeClr val="accent5">
+              <a:shade val="50000"/>
+            </a:schemeClr>
+          </a:lnRef>
+          <a:fillRef idx="1">
+            <a:schemeClr val="accent5"/>
+          </a:fillRef>
+          <a:effectRef idx="0">
+            <a:schemeClr val="accent5"/>
+          </a:effectRef>
+          <a:fontRef idx="minor">
+            <a:schemeClr val="lt1"/>
+          </a:fontRef>
+        </p:style>
+        <p:txBody>
+          <a:bodyPr lIns="36576" tIns="18288" rIns="36576" bIns="18288" rtlCol="0" anchor="ctr"/>
+          <a:lstStyle/>
+          <a:p>
+            <a:pPr algn="ctr"/>
+            <a:r>
+              <a:rPr lang="en-US" sz="1000" b="1" dirty="0"/>
+              <a:t>Phase </a:t>
+            </a:r>
+            <a:r>
+              <a:rPr lang="en-US" sz="1000" b="1" dirty="0" smtClean="0"/>
+              <a:t>A</a:t>
+            </a:r>
+            <a:endParaRPr lang="en-SG" sz="1000" b="1" dirty="0"/>
+          </a:p>
+        </p:txBody>
+      </p:sp>
+      <p:sp>
+        <p:nvSpPr>
+          <p:cNvPr id="15" name="SpotlightShape2" hidden="1"/>
+          <p:cNvSpPr/>
+          <p:nvPr/>
+        </p:nvSpPr>
+        <p:spPr>
+          <a:xfrm>
+            <a:off x="219019" y="558497"/>
+            <a:ext cx="2878191" cy="1787278"/>
           </a:xfrm>
           <a:custGeom>
             <a:avLst/>
@@ -5580,6 +5615,42 @@
               <a:gd name="connsiteX7" fmla="*/ 1133418 w 2787004"/>
               <a:gd name="connsiteY7" fmla="*/ 0 h 1741193"/>
               <a:gd name="connsiteX8" fmla="*/ 175215 w 2787004"/>
+              <a:gd name="connsiteY8" fmla="*/ 5476 h 1741193"/>
+              <a:gd name="connsiteX0" fmla="*/ 175215 w 2787004"/>
+              <a:gd name="connsiteY0" fmla="*/ 5476 h 1741193"/>
+              <a:gd name="connsiteX1" fmla="*/ 169739 w 2787004"/>
+              <a:gd name="connsiteY1" fmla="*/ 443512 h 1741193"/>
+              <a:gd name="connsiteX2" fmla="*/ 0 w 2787004"/>
+              <a:gd name="connsiteY2" fmla="*/ 1067713 h 1741193"/>
+              <a:gd name="connsiteX3" fmla="*/ 5476 w 2787004"/>
+              <a:gd name="connsiteY3" fmla="*/ 1741193 h 1741193"/>
+              <a:gd name="connsiteX4" fmla="*/ 2787004 w 2787004"/>
+              <a:gd name="connsiteY4" fmla="*/ 1735718 h 1741193"/>
+              <a:gd name="connsiteX5" fmla="*/ 2770923 w 2787004"/>
+              <a:gd name="connsiteY5" fmla="*/ 1041041 h 1741193"/>
+              <a:gd name="connsiteX6" fmla="*/ 1138894 w 2787004"/>
+              <a:gd name="connsiteY6" fmla="*/ 421610 h 1741193"/>
+              <a:gd name="connsiteX7" fmla="*/ 1133418 w 2787004"/>
+              <a:gd name="connsiteY7" fmla="*/ 0 h 1741193"/>
+              <a:gd name="connsiteX8" fmla="*/ 175215 w 2787004"/>
+              <a:gd name="connsiteY8" fmla="*/ 5476 h 1741193"/>
+              <a:gd name="connsiteX0" fmla="*/ 175215 w 2787378"/>
+              <a:gd name="connsiteY0" fmla="*/ 5476 h 1741193"/>
+              <a:gd name="connsiteX1" fmla="*/ 169739 w 2787378"/>
+              <a:gd name="connsiteY1" fmla="*/ 443512 h 1741193"/>
+              <a:gd name="connsiteX2" fmla="*/ 0 w 2787378"/>
+              <a:gd name="connsiteY2" fmla="*/ 1067713 h 1741193"/>
+              <a:gd name="connsiteX3" fmla="*/ 5476 w 2787378"/>
+              <a:gd name="connsiteY3" fmla="*/ 1741193 h 1741193"/>
+              <a:gd name="connsiteX4" fmla="*/ 2787004 w 2787378"/>
+              <a:gd name="connsiteY4" fmla="*/ 1735718 h 1741193"/>
+              <a:gd name="connsiteX5" fmla="*/ 2786831 w 2787378"/>
+              <a:gd name="connsiteY5" fmla="*/ 1035706 h 1741193"/>
+              <a:gd name="connsiteX6" fmla="*/ 1138894 w 2787378"/>
+              <a:gd name="connsiteY6" fmla="*/ 421610 h 1741193"/>
+              <a:gd name="connsiteX7" fmla="*/ 1133418 w 2787378"/>
+              <a:gd name="connsiteY7" fmla="*/ 0 h 1741193"/>
+              <a:gd name="connsiteX8" fmla="*/ 175215 w 2787378"/>
               <a:gd name="connsiteY8" fmla="*/ 5476 h 1741193"/>
             </a:gdLst>
             <a:ahLst/>
@@ -5614,7 +5685,7 @@
             </a:cxnLst>
             <a:rect l="l" t="t" r="r" b="b"/>
             <a:pathLst>
-              <a:path w="2787004" h="1741193">
+              <a:path w="2787378" h="1741193">
                 <a:moveTo>
                   <a:pt x="175215" y="5476"/>
                 </a:moveTo>
@@ -5636,12 +5707,14 @@
                 </a:lnTo>
                 <a:cubicBezTo>
                   <a:pt x="2785179" y="1513050"/>
-                  <a:pt x="2783353" y="1290381"/>
-                  <a:pt x="2781528" y="1067713"/>
+                  <a:pt x="2788656" y="1258374"/>
+                  <a:pt x="2786831" y="1035706"/>
                 </a:cubicBezTo>
-                <a:lnTo>
+                <a:cubicBezTo>
+                  <a:pt x="2239286" y="820338"/>
+                  <a:pt x="1686439" y="636978"/>
                   <a:pt x="1138894" y="421610"/>
-                </a:lnTo>
+                </a:cubicBezTo>
                 <a:cubicBezTo>
                   <a:pt x="1137069" y="281073"/>
                   <a:pt x="1135243" y="140537"/>
@@ -5666,9 +5739,7 @@
             <a:ext uri="{91240B29-F687-4F45-9708-019B960494DF}">
               <a14:hiddenLine xmlns:a14="http://schemas.microsoft.com/office/drawing/2010/main" w="25400" cap="flat" cmpd="sng" algn="ctr">
                 <a:solidFill>
-                  <a:schemeClr val="accent6">
-                    <a:lumMod val="75000"/>
-                  </a:schemeClr>
+                  <a:srgbClr val="0070C0"/>
                 </a:solidFill>
                 <a:prstDash val="solid"/>
               </a14:hiddenLine>
@@ -5702,7 +5773,7 @@
       </p:sp>
       <p:pic>
         <p:nvPicPr>
-          <p:cNvPr id="1026" name="SpotlightShape1"/>
+          <p:cNvPr id="3074" name="SpotlightShape1"/>
           <p:cNvPicPr>
             <a:picLocks noChangeAspect="1" noChangeArrowheads="1"/>
           </p:cNvPicPr>
@@ -5775,20 +5846,20 @@
     </p:spTree>
     <p:extLst>
       <p:ext uri="{BB962C8B-B14F-4D97-AF65-F5344CB8AC3E}">
-        <p14:creationId xmlns:p14="http://schemas.microsoft.com/office/powerpoint/2010/main" val="3569811523"/>
+        <p14:creationId xmlns:p14="http://schemas.microsoft.com/office/powerpoint/2010/main" val="2700729734"/>
       </p:ext>
     </p:extLst>
   </p:cSld>
   <p:clrMapOvr>
     <a:masterClrMapping/>
   </p:clrMapOvr>
-  <mc:AlternateContent xmlns:mc="http://schemas.openxmlformats.org/markup-compatibility/2006" xmlns:p14="http://schemas.microsoft.com/office/powerpoint/2010/main">
-    <mc:Choice Requires="p14">
+  <mc:AlternateContent xmlns:mc="http://schemas.openxmlformats.org/markup-compatibility/2006">
+    <mc:Choice xmlns:p14="http://schemas.microsoft.com/office/powerpoint/2010/main" Requires="p14">
       <p:transition spd="med" p14:dur="700" advTm="2000">
         <p:fade/>
       </p:transition>
     </mc:Choice>
-    <mc:Fallback xmlns="">
+    <mc:Fallback>
       <p:transition spd="med" advTm="2000">
         <p:fade/>
       </p:transition>
